--- a/Krieger_Skillbaum_Berserker.pptx
+++ b/Krieger_Skillbaum_Berserker.pptx
@@ -3827,7 +3827,7 @@
         </p:nvSpPr>
         <p:spPr>
           <a:xfrm>
-            <a:off x="3798419" y="2941728"/>
+            <a:off x="3584046" y="2896303"/>
             <a:ext cx="1080000" cy="216000"/>
           </a:xfrm>
           <a:prstGeom prst="rect">
@@ -3879,8 +3879,8 @@
         </p:nvCxnSpPr>
         <p:spPr>
           <a:xfrm flipV="1">
-            <a:off x="4338419" y="2052495"/>
-            <a:ext cx="2693" cy="889233"/>
+            <a:off x="4124046" y="2052495"/>
+            <a:ext cx="217066" cy="843808"/>
           </a:xfrm>
           <a:prstGeom prst="line">
             <a:avLst/>
@@ -3915,7 +3915,7 @@
         </p:nvSpPr>
         <p:spPr>
           <a:xfrm>
-            <a:off x="2852516" y="3362876"/>
+            <a:off x="1981586" y="3232388"/>
             <a:ext cx="1080000" cy="216000"/>
           </a:xfrm>
           <a:prstGeom prst="rect">
@@ -3964,7 +3964,7 @@
         </p:nvSpPr>
         <p:spPr>
           <a:xfrm>
-            <a:off x="4803565" y="3362876"/>
+            <a:off x="4646506" y="3272027"/>
             <a:ext cx="1080000" cy="216000"/>
           </a:xfrm>
           <a:prstGeom prst="rect">
@@ -4016,8 +4016,8 @@
         </p:nvCxnSpPr>
         <p:spPr>
           <a:xfrm flipH="1">
-            <a:off x="3392516" y="2736580"/>
-            <a:ext cx="68612" cy="626296"/>
+            <a:off x="2521586" y="2736580"/>
+            <a:ext cx="939542" cy="495808"/>
           </a:xfrm>
           <a:prstGeom prst="line">
             <a:avLst/>
@@ -4054,9 +4054,9 @@
           <p:nvPr/>
         </p:nvCxnSpPr>
         <p:spPr>
-          <a:xfrm>
-            <a:off x="5266019" y="2736580"/>
-            <a:ext cx="77546" cy="626296"/>
+          <a:xfrm flipH="1">
+            <a:off x="5186506" y="2736580"/>
+            <a:ext cx="79513" cy="535447"/>
           </a:xfrm>
           <a:prstGeom prst="line">
             <a:avLst/>
@@ -4562,10 +4562,10 @@
       </p:cxnSp>
       <p:sp>
         <p:nvSpPr>
-          <p:cNvPr id="26" name="Rechteck 25">
-            <a:extLst>
-              <a:ext uri="{FF2B5EF4-FFF2-40B4-BE49-F238E27FC236}">
-                <a16:creationId xmlns:a16="http://schemas.microsoft.com/office/drawing/2014/main" id="{F96E7BFA-37F7-4D69-860F-772BFA8A795F}"/>
+          <p:cNvPr id="27" name="Rechteck 26">
+            <a:extLst>
+              <a:ext uri="{FF2B5EF4-FFF2-40B4-BE49-F238E27FC236}">
+                <a16:creationId xmlns:a16="http://schemas.microsoft.com/office/drawing/2014/main" id="{2A0DE4AB-03E8-4978-9DE1-17A6538E15A7}"/>
               </a:ext>
             </a:extLst>
           </p:cNvPr>
@@ -4574,8 +4574,8 @@
         </p:nvSpPr>
         <p:spPr>
           <a:xfrm>
-            <a:off x="3829236" y="3893971"/>
-            <a:ext cx="1080000" cy="216000"/>
+            <a:off x="3092734" y="3876619"/>
+            <a:ext cx="1385603" cy="216000"/>
           </a:xfrm>
           <a:prstGeom prst="rect">
             <a:avLst/>
@@ -4598,113 +4598,99 @@
           </a:fontRef>
         </p:style>
         <p:txBody>
-          <a:bodyPr rot="0" spcFirstLastPara="0" vert="horz" wrap="square" lIns="91440" tIns="45720" rIns="91440" bIns="45720" numCol="1" spcCol="0" rtlCol="0" fromWordArt="0" anchor="ctr" anchorCtr="0" forceAA="0" compatLnSpc="1">
-            <a:prstTxWarp prst="textNoShape">
-              <a:avLst/>
-            </a:prstTxWarp>
-            <a:noAutofit/>
-          </a:bodyPr>
-          <a:lstStyle>
-            <a:defPPr>
-              <a:defRPr lang="de-DE"/>
-            </a:defPPr>
-            <a:lvl1pPr marL="0" algn="l" defTabSz="914400" rtl="0" eaLnBrk="1" latinLnBrk="0" hangingPunct="1">
-              <a:defRPr sz="1800" kern="1200">
-                <a:solidFill>
-                  <a:schemeClr val="lt1"/>
-                </a:solidFill>
-                <a:latin typeface="+mn-lt"/>
-                <a:ea typeface="+mn-ea"/>
-                <a:cs typeface="+mn-cs"/>
-              </a:defRPr>
-            </a:lvl1pPr>
-            <a:lvl2pPr marL="457200" algn="l" defTabSz="914400" rtl="0" eaLnBrk="1" latinLnBrk="0" hangingPunct="1">
-              <a:defRPr sz="1800" kern="1200">
-                <a:solidFill>
-                  <a:schemeClr val="lt1"/>
-                </a:solidFill>
-                <a:latin typeface="+mn-lt"/>
-                <a:ea typeface="+mn-ea"/>
-                <a:cs typeface="+mn-cs"/>
-              </a:defRPr>
-            </a:lvl2pPr>
-            <a:lvl3pPr marL="914400" algn="l" defTabSz="914400" rtl="0" eaLnBrk="1" latinLnBrk="0" hangingPunct="1">
-              <a:defRPr sz="1800" kern="1200">
-                <a:solidFill>
-                  <a:schemeClr val="lt1"/>
-                </a:solidFill>
-                <a:latin typeface="+mn-lt"/>
-                <a:ea typeface="+mn-ea"/>
-                <a:cs typeface="+mn-cs"/>
-              </a:defRPr>
-            </a:lvl3pPr>
-            <a:lvl4pPr marL="1371600" algn="l" defTabSz="914400" rtl="0" eaLnBrk="1" latinLnBrk="0" hangingPunct="1">
-              <a:defRPr sz="1800" kern="1200">
-                <a:solidFill>
-                  <a:schemeClr val="lt1"/>
-                </a:solidFill>
-                <a:latin typeface="+mn-lt"/>
-                <a:ea typeface="+mn-ea"/>
-                <a:cs typeface="+mn-cs"/>
-              </a:defRPr>
-            </a:lvl4pPr>
-            <a:lvl5pPr marL="1828800" algn="l" defTabSz="914400" rtl="0" eaLnBrk="1" latinLnBrk="0" hangingPunct="1">
-              <a:defRPr sz="1800" kern="1200">
-                <a:solidFill>
-                  <a:schemeClr val="lt1"/>
-                </a:solidFill>
-                <a:latin typeface="+mn-lt"/>
-                <a:ea typeface="+mn-ea"/>
-                <a:cs typeface="+mn-cs"/>
-              </a:defRPr>
-            </a:lvl5pPr>
-            <a:lvl6pPr marL="2286000" algn="l" defTabSz="914400" rtl="0" eaLnBrk="1" latinLnBrk="0" hangingPunct="1">
-              <a:defRPr sz="1800" kern="1200">
-                <a:solidFill>
-                  <a:schemeClr val="lt1"/>
-                </a:solidFill>
-                <a:latin typeface="+mn-lt"/>
-                <a:ea typeface="+mn-ea"/>
-                <a:cs typeface="+mn-cs"/>
-              </a:defRPr>
-            </a:lvl6pPr>
-            <a:lvl7pPr marL="2743200" algn="l" defTabSz="914400" rtl="0" eaLnBrk="1" latinLnBrk="0" hangingPunct="1">
-              <a:defRPr sz="1800" kern="1200">
-                <a:solidFill>
-                  <a:schemeClr val="lt1"/>
-                </a:solidFill>
-                <a:latin typeface="+mn-lt"/>
-                <a:ea typeface="+mn-ea"/>
-                <a:cs typeface="+mn-cs"/>
-              </a:defRPr>
-            </a:lvl7pPr>
-            <a:lvl8pPr marL="3200400" algn="l" defTabSz="914400" rtl="0" eaLnBrk="1" latinLnBrk="0" hangingPunct="1">
-              <a:defRPr sz="1800" kern="1200">
-                <a:solidFill>
-                  <a:schemeClr val="lt1"/>
-                </a:solidFill>
-                <a:latin typeface="+mn-lt"/>
-                <a:ea typeface="+mn-ea"/>
-                <a:cs typeface="+mn-cs"/>
-              </a:defRPr>
-            </a:lvl8pPr>
-            <a:lvl9pPr marL="3657600" algn="l" defTabSz="914400" rtl="0" eaLnBrk="1" latinLnBrk="0" hangingPunct="1">
-              <a:defRPr sz="1800" kern="1200">
-                <a:solidFill>
-                  <a:schemeClr val="lt1"/>
-                </a:solidFill>
-                <a:latin typeface="+mn-lt"/>
-                <a:ea typeface="+mn-ea"/>
-                <a:cs typeface="+mn-cs"/>
-              </a:defRPr>
-            </a:lvl9pPr>
-          </a:lstStyle>
+          <a:bodyPr rtlCol="0" anchor="ctr"/>
+          <a:lstStyle/>
           <a:p>
             <a:pPr algn="ctr"/>
-            <a:endParaRPr lang="de-DE" sz="1100" dirty="0"/>
-          </a:p>
-        </p:txBody>
-      </p:sp>
+            <a:r>
+              <a:rPr lang="de-DE" sz="1100" dirty="0" err="1"/>
+              <a:t>Stählernde</a:t>
+            </a:r>
+            <a:r>
+              <a:rPr lang="de-DE" sz="1100" dirty="0"/>
+              <a:t> Muskeln</a:t>
+            </a:r>
+          </a:p>
+        </p:txBody>
+      </p:sp>
+      <p:cxnSp>
+        <p:nvCxnSpPr>
+          <p:cNvPr id="19" name="Gerader Verbinder 18">
+            <a:extLst>
+              <a:ext uri="{FF2B5EF4-FFF2-40B4-BE49-F238E27FC236}">
+                <a16:creationId xmlns:a16="http://schemas.microsoft.com/office/drawing/2014/main" id="{8063862E-9475-4867-B7A2-500AE689BB5D}"/>
+              </a:ext>
+            </a:extLst>
+          </p:cNvPr>
+          <p:cNvCxnSpPr>
+            <a:stCxn id="32" idx="2"/>
+            <a:endCxn id="27" idx="0"/>
+          </p:cNvCxnSpPr>
+          <p:nvPr/>
+        </p:nvCxnSpPr>
+        <p:spPr>
+          <a:xfrm>
+            <a:off x="2521586" y="3448388"/>
+            <a:ext cx="1263950" cy="428231"/>
+          </a:xfrm>
+          <a:prstGeom prst="line">
+            <a:avLst/>
+          </a:prstGeom>
+        </p:spPr>
+        <p:style>
+          <a:lnRef idx="1">
+            <a:schemeClr val="accent1"/>
+          </a:lnRef>
+          <a:fillRef idx="0">
+            <a:schemeClr val="accent1"/>
+          </a:fillRef>
+          <a:effectRef idx="0">
+            <a:schemeClr val="accent1"/>
+          </a:effectRef>
+          <a:fontRef idx="minor">
+            <a:schemeClr val="tx1"/>
+          </a:fontRef>
+        </p:style>
+      </p:cxnSp>
+      <p:cxnSp>
+        <p:nvCxnSpPr>
+          <p:cNvPr id="25" name="Gerader Verbinder 24">
+            <a:extLst>
+              <a:ext uri="{FF2B5EF4-FFF2-40B4-BE49-F238E27FC236}">
+                <a16:creationId xmlns:a16="http://schemas.microsoft.com/office/drawing/2014/main" id="{8B810B90-126C-4146-A78A-3776F87B351D}"/>
+              </a:ext>
+            </a:extLst>
+          </p:cNvPr>
+          <p:cNvCxnSpPr>
+            <a:stCxn id="33" idx="2"/>
+            <a:endCxn id="27" idx="0"/>
+          </p:cNvCxnSpPr>
+          <p:nvPr/>
+        </p:nvCxnSpPr>
+        <p:spPr>
+          <a:xfrm flipH="1">
+            <a:off x="3785536" y="3488027"/>
+            <a:ext cx="1400970" cy="388592"/>
+          </a:xfrm>
+          <a:prstGeom prst="line">
+            <a:avLst/>
+          </a:prstGeom>
+        </p:spPr>
+        <p:style>
+          <a:lnRef idx="1">
+            <a:schemeClr val="accent1"/>
+          </a:lnRef>
+          <a:fillRef idx="0">
+            <a:schemeClr val="accent1"/>
+          </a:fillRef>
+          <a:effectRef idx="0">
+            <a:schemeClr val="accent1"/>
+          </a:effectRef>
+          <a:fontRef idx="minor">
+            <a:schemeClr val="tx1"/>
+          </a:fontRef>
+        </p:style>
+      </p:cxnSp>
     </p:spTree>
     <p:extLst>
       <p:ext uri="{BB962C8B-B14F-4D97-AF65-F5344CB8AC3E}">

--- a/Krieger_Skillbaum_Berserker.pptx
+++ b/Krieger_Skillbaum_Berserker.pptx
@@ -3340,55 +3340,8 @@
         </p:nvSpPr>
         <p:spPr>
           <a:xfrm>
-            <a:off x="4940900" y="1075303"/>
-            <a:ext cx="2182001" cy="325731"/>
-          </a:xfrm>
-          <a:prstGeom prst="rect">
-            <a:avLst/>
-          </a:prstGeom>
-        </p:spPr>
-        <p:style>
-          <a:lnRef idx="2">
-            <a:schemeClr val="dk1"/>
-          </a:lnRef>
-          <a:fillRef idx="1">
-            <a:schemeClr val="lt1"/>
-          </a:fillRef>
-          <a:effectRef idx="0">
-            <a:schemeClr val="dk1"/>
-          </a:effectRef>
-          <a:fontRef idx="minor">
-            <a:schemeClr val="dk1"/>
-          </a:fontRef>
-        </p:style>
-        <p:txBody>
-          <a:bodyPr rtlCol="0" anchor="ctr"/>
-          <a:lstStyle/>
-          <a:p>
-            <a:pPr algn="ctr"/>
-            <a:r>
-              <a:rPr lang="de-DE" sz="1100" dirty="0"/>
-              <a:t>Mächtiger  Schlag</a:t>
-            </a:r>
-          </a:p>
-        </p:txBody>
-      </p:sp>
-      <p:sp>
-        <p:nvSpPr>
-          <p:cNvPr id="6" name="Rechteck 5">
-            <a:extLst>
-              <a:ext uri="{FF2B5EF4-FFF2-40B4-BE49-F238E27FC236}">
-                <a16:creationId xmlns:a16="http://schemas.microsoft.com/office/drawing/2014/main" id="{C9526991-B533-4FEA-B67C-E48F3E9E07ED}"/>
-              </a:ext>
-            </a:extLst>
-          </p:cNvPr>
-          <p:cNvSpPr/>
-          <p:nvPr/>
-        </p:nvSpPr>
-        <p:spPr>
-          <a:xfrm>
-            <a:off x="4422870" y="337504"/>
-            <a:ext cx="3218060" cy="463086"/>
+            <a:off x="4960522" y="734946"/>
+            <a:ext cx="2182001" cy="132360"/>
           </a:xfrm>
           <a:prstGeom prst="rect">
             <a:avLst/>
@@ -3416,18 +3369,18 @@
           <a:p>
             <a:pPr algn="ctr"/>
             <a:r>
-              <a:rPr lang="de-DE" dirty="0"/>
-              <a:t>Berserker</a:t>
-            </a:r>
-          </a:p>
-        </p:txBody>
-      </p:sp>
-      <p:sp>
-        <p:nvSpPr>
-          <p:cNvPr id="7" name="Rechteck 6">
-            <a:extLst>
-              <a:ext uri="{FF2B5EF4-FFF2-40B4-BE49-F238E27FC236}">
-                <a16:creationId xmlns:a16="http://schemas.microsoft.com/office/drawing/2014/main" id="{E42E0D3C-C167-4A05-BA6B-5E02547AA5F6}"/>
+              <a:rPr lang="de-DE" sz="1100" dirty="0"/>
+              <a:t>Mächtiger  Schlag</a:t>
+            </a:r>
+          </a:p>
+        </p:txBody>
+      </p:sp>
+      <p:sp>
+        <p:nvSpPr>
+          <p:cNvPr id="6" name="Rechteck 5">
+            <a:extLst>
+              <a:ext uri="{FF2B5EF4-FFF2-40B4-BE49-F238E27FC236}">
+                <a16:creationId xmlns:a16="http://schemas.microsoft.com/office/drawing/2014/main" id="{C9526991-B533-4FEA-B67C-E48F3E9E07ED}"/>
               </a:ext>
             </a:extLst>
           </p:cNvPr>
@@ -3436,8 +3389,8 @@
         </p:nvSpPr>
         <p:spPr>
           <a:xfrm>
-            <a:off x="3668066" y="1675747"/>
-            <a:ext cx="1346091" cy="376748"/>
+            <a:off x="4442492" y="293260"/>
+            <a:ext cx="3218060" cy="236541"/>
           </a:xfrm>
           <a:prstGeom prst="rect">
             <a:avLst/>
@@ -3465,18 +3418,18 @@
           <a:p>
             <a:pPr algn="ctr"/>
             <a:r>
-              <a:rPr lang="de-DE" sz="1100" dirty="0"/>
-              <a:t>Waffenkunde</a:t>
-            </a:r>
-          </a:p>
-        </p:txBody>
-      </p:sp>
-      <p:sp>
-        <p:nvSpPr>
-          <p:cNvPr id="8" name="Rechteck 7">
-            <a:extLst>
-              <a:ext uri="{FF2B5EF4-FFF2-40B4-BE49-F238E27FC236}">
-                <a16:creationId xmlns:a16="http://schemas.microsoft.com/office/drawing/2014/main" id="{6B8A33E6-938C-4030-8867-78B455F61EFE}"/>
+              <a:rPr lang="de-DE" dirty="0"/>
+              <a:t>Berserker</a:t>
+            </a:r>
+          </a:p>
+        </p:txBody>
+      </p:sp>
+      <p:sp>
+        <p:nvSpPr>
+          <p:cNvPr id="7" name="Rechteck 6">
+            <a:extLst>
+              <a:ext uri="{FF2B5EF4-FFF2-40B4-BE49-F238E27FC236}">
+                <a16:creationId xmlns:a16="http://schemas.microsoft.com/office/drawing/2014/main" id="{E42E0D3C-C167-4A05-BA6B-5E02547AA5F6}"/>
               </a:ext>
             </a:extLst>
           </p:cNvPr>
@@ -3485,8 +3438,8 @@
         </p:nvSpPr>
         <p:spPr>
           <a:xfrm>
-            <a:off x="7177845" y="1683595"/>
-            <a:ext cx="1506994" cy="368900"/>
+            <a:off x="3687688" y="1142019"/>
+            <a:ext cx="1346091" cy="376748"/>
           </a:xfrm>
           <a:prstGeom prst="rect">
             <a:avLst/>
@@ -3515,134 +3468,17 @@
             <a:pPr algn="ctr"/>
             <a:r>
               <a:rPr lang="de-DE" sz="1100" dirty="0"/>
-              <a:t>Waffenloser Kampf</a:t>
-            </a:r>
-          </a:p>
-        </p:txBody>
-      </p:sp>
-      <p:cxnSp>
-        <p:nvCxnSpPr>
-          <p:cNvPr id="10" name="Gerader Verbinder 9">
-            <a:extLst>
-              <a:ext uri="{FF2B5EF4-FFF2-40B4-BE49-F238E27FC236}">
-                <a16:creationId xmlns:a16="http://schemas.microsoft.com/office/drawing/2014/main" id="{7720B12C-53DD-44B2-B1A6-71D426CC3E8C}"/>
-              </a:ext>
-            </a:extLst>
-          </p:cNvPr>
-          <p:cNvCxnSpPr>
-            <a:stCxn id="6" idx="2"/>
-            <a:endCxn id="5" idx="0"/>
-          </p:cNvCxnSpPr>
-          <p:nvPr/>
-        </p:nvCxnSpPr>
-        <p:spPr>
-          <a:xfrm>
-            <a:off x="6031900" y="800590"/>
-            <a:ext cx="1" cy="274713"/>
-          </a:xfrm>
-          <a:prstGeom prst="line">
-            <a:avLst/>
-          </a:prstGeom>
-        </p:spPr>
-        <p:style>
-          <a:lnRef idx="1">
-            <a:schemeClr val="accent1"/>
-          </a:lnRef>
-          <a:fillRef idx="0">
-            <a:schemeClr val="accent1"/>
-          </a:fillRef>
-          <a:effectRef idx="0">
-            <a:schemeClr val="accent1"/>
-          </a:effectRef>
-          <a:fontRef idx="minor">
-            <a:schemeClr val="tx1"/>
-          </a:fontRef>
-        </p:style>
-      </p:cxnSp>
-      <p:cxnSp>
-        <p:nvCxnSpPr>
-          <p:cNvPr id="12" name="Gerader Verbinder 11">
-            <a:extLst>
-              <a:ext uri="{FF2B5EF4-FFF2-40B4-BE49-F238E27FC236}">
-                <a16:creationId xmlns:a16="http://schemas.microsoft.com/office/drawing/2014/main" id="{FA337DF0-8401-46E2-938D-611778B0B34B}"/>
-              </a:ext>
-            </a:extLst>
-          </p:cNvPr>
-          <p:cNvCxnSpPr>
-            <a:stCxn id="5" idx="2"/>
-            <a:endCxn id="7" idx="0"/>
-          </p:cNvCxnSpPr>
-          <p:nvPr/>
-        </p:nvCxnSpPr>
-        <p:spPr>
-          <a:xfrm flipH="1">
-            <a:off x="4341112" y="1401034"/>
-            <a:ext cx="1690789" cy="274713"/>
-          </a:xfrm>
-          <a:prstGeom prst="line">
-            <a:avLst/>
-          </a:prstGeom>
-        </p:spPr>
-        <p:style>
-          <a:lnRef idx="1">
-            <a:schemeClr val="accent1"/>
-          </a:lnRef>
-          <a:fillRef idx="0">
-            <a:schemeClr val="accent1"/>
-          </a:fillRef>
-          <a:effectRef idx="0">
-            <a:schemeClr val="accent1"/>
-          </a:effectRef>
-          <a:fontRef idx="minor">
-            <a:schemeClr val="tx1"/>
-          </a:fontRef>
-        </p:style>
-      </p:cxnSp>
-      <p:cxnSp>
-        <p:nvCxnSpPr>
-          <p:cNvPr id="14" name="Gerader Verbinder 13">
-            <a:extLst>
-              <a:ext uri="{FF2B5EF4-FFF2-40B4-BE49-F238E27FC236}">
-                <a16:creationId xmlns:a16="http://schemas.microsoft.com/office/drawing/2014/main" id="{5B45913E-6180-488F-A276-044D4295ADDE}"/>
-              </a:ext>
-            </a:extLst>
-          </p:cNvPr>
-          <p:cNvCxnSpPr>
-            <a:stCxn id="5" idx="2"/>
-            <a:endCxn id="8" idx="0"/>
-          </p:cNvCxnSpPr>
-          <p:nvPr/>
-        </p:nvCxnSpPr>
-        <p:spPr>
-          <a:xfrm>
-            <a:off x="6031901" y="1401034"/>
-            <a:ext cx="1899441" cy="282561"/>
-          </a:xfrm>
-          <a:prstGeom prst="line">
-            <a:avLst/>
-          </a:prstGeom>
-        </p:spPr>
-        <p:style>
-          <a:lnRef idx="1">
-            <a:schemeClr val="accent1"/>
-          </a:lnRef>
-          <a:fillRef idx="0">
-            <a:schemeClr val="accent1"/>
-          </a:fillRef>
-          <a:effectRef idx="0">
-            <a:schemeClr val="accent1"/>
-          </a:effectRef>
-          <a:fontRef idx="minor">
-            <a:schemeClr val="tx1"/>
-          </a:fontRef>
-        </p:style>
-      </p:cxnSp>
-      <p:sp>
-        <p:nvSpPr>
-          <p:cNvPr id="15" name="Rechteck 14">
-            <a:extLst>
-              <a:ext uri="{FF2B5EF4-FFF2-40B4-BE49-F238E27FC236}">
-                <a16:creationId xmlns:a16="http://schemas.microsoft.com/office/drawing/2014/main" id="{ECC087B7-EDDF-43A3-B7B4-53D7EB1FA177}"/>
+              <a:t>Waffenkunde</a:t>
+            </a:r>
+          </a:p>
+        </p:txBody>
+      </p:sp>
+      <p:sp>
+        <p:nvSpPr>
+          <p:cNvPr id="8" name="Rechteck 7">
+            <a:extLst>
+              <a:ext uri="{FF2B5EF4-FFF2-40B4-BE49-F238E27FC236}">
+                <a16:creationId xmlns:a16="http://schemas.microsoft.com/office/drawing/2014/main" id="{6B8A33E6-938C-4030-8867-78B455F61EFE}"/>
               </a:ext>
             </a:extLst>
           </p:cNvPr>
@@ -3651,8 +3487,8 @@
         </p:nvSpPr>
         <p:spPr>
           <a:xfrm>
-            <a:off x="2921128" y="2520580"/>
-            <a:ext cx="1080000" cy="216000"/>
+            <a:off x="7197467" y="1149867"/>
+            <a:ext cx="1506994" cy="368900"/>
           </a:xfrm>
           <a:prstGeom prst="rect">
             <a:avLst/>
@@ -3681,29 +3517,33 @@
             <a:pPr algn="ctr"/>
             <a:r>
               <a:rPr lang="de-DE" sz="1100" dirty="0"/>
-              <a:t>Konter</a:t>
-            </a:r>
-          </a:p>
-        </p:txBody>
-      </p:sp>
-      <p:sp>
-        <p:nvSpPr>
-          <p:cNvPr id="16" name="Rechteck 15">
-            <a:extLst>
-              <a:ext uri="{FF2B5EF4-FFF2-40B4-BE49-F238E27FC236}">
-                <a16:creationId xmlns:a16="http://schemas.microsoft.com/office/drawing/2014/main" id="{F96E7BFA-37F7-4D69-860F-772BFA8A795F}"/>
-              </a:ext>
-            </a:extLst>
-          </p:cNvPr>
-          <p:cNvSpPr/>
+              <a:t>Waffenloser Kampf</a:t>
+            </a:r>
+          </a:p>
+        </p:txBody>
+      </p:sp>
+      <p:cxnSp>
+        <p:nvCxnSpPr>
+          <p:cNvPr id="10" name="Gerader Verbinder 9">
+            <a:extLst>
+              <a:ext uri="{FF2B5EF4-FFF2-40B4-BE49-F238E27FC236}">
+                <a16:creationId xmlns:a16="http://schemas.microsoft.com/office/drawing/2014/main" id="{7720B12C-53DD-44B2-B1A6-71D426CC3E8C}"/>
+              </a:ext>
+            </a:extLst>
+          </p:cNvPr>
+          <p:cNvCxnSpPr>
+            <a:cxnSpLocks/>
+            <a:stCxn id="6" idx="2"/>
+            <a:endCxn id="5" idx="0"/>
+          </p:cNvCxnSpPr>
           <p:nvPr/>
-        </p:nvSpPr>
+        </p:nvCxnSpPr>
         <p:spPr>
           <a:xfrm>
-            <a:off x="4726019" y="2520580"/>
-            <a:ext cx="1080000" cy="216000"/>
-          </a:xfrm>
-          <a:prstGeom prst="rect">
+            <a:off x="6051522" y="529801"/>
+            <a:ext cx="1" cy="205145"/>
+          </a:xfrm>
+          <a:prstGeom prst="line">
             <a:avLst/>
           </a:prstGeom>
         </p:spPr>
@@ -3723,114 +3563,29 @@
             <a:schemeClr val="lt1"/>
           </a:fontRef>
         </p:style>
-        <p:txBody>
-          <a:bodyPr rtlCol="0" anchor="ctr"/>
-          <a:lstStyle/>
-          <a:p>
-            <a:pPr algn="ctr"/>
-            <a:r>
-              <a:rPr lang="de-DE" sz="1100" dirty="0"/>
-              <a:t>Durchbruch</a:t>
-            </a:r>
-          </a:p>
-        </p:txBody>
-      </p:sp>
+      </p:cxnSp>
       <p:cxnSp>
         <p:nvCxnSpPr>
-          <p:cNvPr id="18" name="Gerader Verbinder 17">
-            <a:extLst>
-              <a:ext uri="{FF2B5EF4-FFF2-40B4-BE49-F238E27FC236}">
-                <a16:creationId xmlns:a16="http://schemas.microsoft.com/office/drawing/2014/main" id="{1224FB37-5DCC-4375-8E7E-7613CCBB2BEB}"/>
+          <p:cNvPr id="12" name="Gerader Verbinder 11">
+            <a:extLst>
+              <a:ext uri="{FF2B5EF4-FFF2-40B4-BE49-F238E27FC236}">
+                <a16:creationId xmlns:a16="http://schemas.microsoft.com/office/drawing/2014/main" id="{FA337DF0-8401-46E2-938D-611778B0B34B}"/>
               </a:ext>
             </a:extLst>
           </p:cNvPr>
           <p:cNvCxnSpPr>
-            <a:stCxn id="7" idx="2"/>
-            <a:endCxn id="15" idx="0"/>
+            <a:cxnSpLocks/>
+            <a:stCxn id="5" idx="2"/>
+            <a:endCxn id="7" idx="0"/>
           </p:cNvCxnSpPr>
           <p:nvPr/>
         </p:nvCxnSpPr>
         <p:spPr>
           <a:xfrm flipH="1">
-            <a:off x="3461128" y="2052495"/>
-            <a:ext cx="879984" cy="468085"/>
+            <a:off x="4360734" y="867306"/>
+            <a:ext cx="1690789" cy="274713"/>
           </a:xfrm>
           <a:prstGeom prst="line">
-            <a:avLst/>
-          </a:prstGeom>
-        </p:spPr>
-        <p:style>
-          <a:lnRef idx="1">
-            <a:schemeClr val="accent1"/>
-          </a:lnRef>
-          <a:fillRef idx="0">
-            <a:schemeClr val="accent1"/>
-          </a:fillRef>
-          <a:effectRef idx="0">
-            <a:schemeClr val="accent1"/>
-          </a:effectRef>
-          <a:fontRef idx="minor">
-            <a:schemeClr val="tx1"/>
-          </a:fontRef>
-        </p:style>
-      </p:cxnSp>
-      <p:cxnSp>
-        <p:nvCxnSpPr>
-          <p:cNvPr id="20" name="Gerader Verbinder 19">
-            <a:extLst>
-              <a:ext uri="{FF2B5EF4-FFF2-40B4-BE49-F238E27FC236}">
-                <a16:creationId xmlns:a16="http://schemas.microsoft.com/office/drawing/2014/main" id="{CBAB1EC5-81B6-4838-A330-7AC02DB9E5BF}"/>
-              </a:ext>
-            </a:extLst>
-          </p:cNvPr>
-          <p:cNvCxnSpPr>
-            <a:stCxn id="7" idx="2"/>
-            <a:endCxn id="16" idx="0"/>
-          </p:cNvCxnSpPr>
-          <p:nvPr/>
-        </p:nvCxnSpPr>
-        <p:spPr>
-          <a:xfrm>
-            <a:off x="4341112" y="2052495"/>
-            <a:ext cx="924907" cy="468085"/>
-          </a:xfrm>
-          <a:prstGeom prst="line">
-            <a:avLst/>
-          </a:prstGeom>
-        </p:spPr>
-        <p:style>
-          <a:lnRef idx="1">
-            <a:schemeClr val="accent1"/>
-          </a:lnRef>
-          <a:fillRef idx="0">
-            <a:schemeClr val="accent1"/>
-          </a:fillRef>
-          <a:effectRef idx="0">
-            <a:schemeClr val="accent1"/>
-          </a:effectRef>
-          <a:fontRef idx="minor">
-            <a:schemeClr val="tx1"/>
-          </a:fontRef>
-        </p:style>
-      </p:cxnSp>
-      <p:sp>
-        <p:nvSpPr>
-          <p:cNvPr id="29" name="Rechteck 28">
-            <a:extLst>
-              <a:ext uri="{FF2B5EF4-FFF2-40B4-BE49-F238E27FC236}">
-                <a16:creationId xmlns:a16="http://schemas.microsoft.com/office/drawing/2014/main" id="{2A55E612-A9BF-4161-8C8A-E920E519C31C}"/>
-              </a:ext>
-            </a:extLst>
-          </p:cNvPr>
-          <p:cNvSpPr/>
-          <p:nvPr/>
-        </p:nvSpPr>
-        <p:spPr>
-          <a:xfrm>
-            <a:off x="3584046" y="2896303"/>
-            <a:ext cx="1080000" cy="216000"/>
-          </a:xfrm>
-          <a:prstGeom prst="rect">
             <a:avLst/>
           </a:prstGeom>
         </p:spPr>
@@ -3850,75 +3605,29 @@
             <a:schemeClr val="lt1"/>
           </a:fontRef>
         </p:style>
-        <p:txBody>
-          <a:bodyPr rtlCol="0" anchor="ctr"/>
-          <a:lstStyle/>
-          <a:p>
-            <a:pPr algn="ctr"/>
-            <a:r>
-              <a:rPr lang="de-DE" sz="1100" dirty="0"/>
-              <a:t>Waffenwurf</a:t>
-            </a:r>
-          </a:p>
-        </p:txBody>
-      </p:sp>
+      </p:cxnSp>
       <p:cxnSp>
         <p:nvCxnSpPr>
-          <p:cNvPr id="31" name="Gerader Verbinder 30">
-            <a:extLst>
-              <a:ext uri="{FF2B5EF4-FFF2-40B4-BE49-F238E27FC236}">
-                <a16:creationId xmlns:a16="http://schemas.microsoft.com/office/drawing/2014/main" id="{7F54CAD4-5618-4E32-BC04-8656195D7AA0}"/>
+          <p:cNvPr id="14" name="Gerader Verbinder 13">
+            <a:extLst>
+              <a:ext uri="{FF2B5EF4-FFF2-40B4-BE49-F238E27FC236}">
+                <a16:creationId xmlns:a16="http://schemas.microsoft.com/office/drawing/2014/main" id="{5B45913E-6180-488F-A276-044D4295ADDE}"/>
               </a:ext>
             </a:extLst>
           </p:cNvPr>
           <p:cNvCxnSpPr>
-            <a:stCxn id="29" idx="0"/>
-            <a:endCxn id="7" idx="2"/>
+            <a:cxnSpLocks/>
+            <a:stCxn id="5" idx="2"/>
+            <a:endCxn id="8" idx="0"/>
           </p:cNvCxnSpPr>
           <p:nvPr/>
         </p:nvCxnSpPr>
         <p:spPr>
-          <a:xfrm flipV="1">
-            <a:off x="4124046" y="2052495"/>
-            <a:ext cx="217066" cy="843808"/>
+          <a:xfrm>
+            <a:off x="6051523" y="867306"/>
+            <a:ext cx="1899441" cy="282561"/>
           </a:xfrm>
           <a:prstGeom prst="line">
-            <a:avLst/>
-          </a:prstGeom>
-        </p:spPr>
-        <p:style>
-          <a:lnRef idx="1">
-            <a:schemeClr val="accent1"/>
-          </a:lnRef>
-          <a:fillRef idx="0">
-            <a:schemeClr val="accent1"/>
-          </a:fillRef>
-          <a:effectRef idx="0">
-            <a:schemeClr val="accent1"/>
-          </a:effectRef>
-          <a:fontRef idx="minor">
-            <a:schemeClr val="tx1"/>
-          </a:fontRef>
-        </p:style>
-      </p:cxnSp>
-      <p:sp>
-        <p:nvSpPr>
-          <p:cNvPr id="32" name="Rechteck 31">
-            <a:extLst>
-              <a:ext uri="{FF2B5EF4-FFF2-40B4-BE49-F238E27FC236}">
-                <a16:creationId xmlns:a16="http://schemas.microsoft.com/office/drawing/2014/main" id="{DC137E0C-F2B7-4BE5-8ECB-9B5796A04A17}"/>
-              </a:ext>
-            </a:extLst>
-          </p:cNvPr>
-          <p:cNvSpPr/>
-          <p:nvPr/>
-        </p:nvSpPr>
-        <p:spPr>
-          <a:xfrm>
-            <a:off x="1981586" y="3232388"/>
-            <a:ext cx="1080000" cy="216000"/>
-          </a:xfrm>
-          <a:prstGeom prst="rect">
             <a:avLst/>
           </a:prstGeom>
         </p:spPr>
@@ -3938,24 +3647,13 @@
             <a:schemeClr val="lt1"/>
           </a:fontRef>
         </p:style>
-        <p:txBody>
-          <a:bodyPr rtlCol="0" anchor="ctr"/>
-          <a:lstStyle/>
-          <a:p>
-            <a:pPr algn="ctr"/>
-            <a:r>
-              <a:rPr lang="de-DE" sz="1100" dirty="0"/>
-              <a:t>Wirbelwind</a:t>
-            </a:r>
-          </a:p>
-        </p:txBody>
-      </p:sp>
-      <p:sp>
-        <p:nvSpPr>
-          <p:cNvPr id="33" name="Rechteck 32">
-            <a:extLst>
-              <a:ext uri="{FF2B5EF4-FFF2-40B4-BE49-F238E27FC236}">
-                <a16:creationId xmlns:a16="http://schemas.microsoft.com/office/drawing/2014/main" id="{E3397F09-82B9-4296-B179-28D66B4C31BF}"/>
+      </p:cxnSp>
+      <p:sp>
+        <p:nvSpPr>
+          <p:cNvPr id="15" name="Rechteck 14">
+            <a:extLst>
+              <a:ext uri="{FF2B5EF4-FFF2-40B4-BE49-F238E27FC236}">
+                <a16:creationId xmlns:a16="http://schemas.microsoft.com/office/drawing/2014/main" id="{ECC087B7-EDDF-43A3-B7B4-53D7EB1FA177}"/>
               </a:ext>
             </a:extLst>
           </p:cNvPr>
@@ -3964,7 +3662,7 @@
         </p:nvSpPr>
         <p:spPr>
           <a:xfrm>
-            <a:off x="4646506" y="3272027"/>
+            <a:off x="2940750" y="1986852"/>
             <a:ext cx="1080000" cy="216000"/>
           </a:xfrm>
           <a:prstGeom prst="rect">
@@ -3994,6 +3692,325 @@
             <a:pPr algn="ctr"/>
             <a:r>
               <a:rPr lang="de-DE" sz="1100" dirty="0"/>
+              <a:t>Konter</a:t>
+            </a:r>
+          </a:p>
+        </p:txBody>
+      </p:sp>
+      <p:sp>
+        <p:nvSpPr>
+          <p:cNvPr id="16" name="Rechteck 15">
+            <a:extLst>
+              <a:ext uri="{FF2B5EF4-FFF2-40B4-BE49-F238E27FC236}">
+                <a16:creationId xmlns:a16="http://schemas.microsoft.com/office/drawing/2014/main" id="{F96E7BFA-37F7-4D69-860F-772BFA8A795F}"/>
+              </a:ext>
+            </a:extLst>
+          </p:cNvPr>
+          <p:cNvSpPr/>
+          <p:nvPr/>
+        </p:nvSpPr>
+        <p:spPr>
+          <a:xfrm>
+            <a:off x="4745641" y="1986852"/>
+            <a:ext cx="1080000" cy="216000"/>
+          </a:xfrm>
+          <a:prstGeom prst="rect">
+            <a:avLst/>
+          </a:prstGeom>
+        </p:spPr>
+        <p:style>
+          <a:lnRef idx="2">
+            <a:schemeClr val="accent1">
+              <a:shade val="50000"/>
+            </a:schemeClr>
+          </a:lnRef>
+          <a:fillRef idx="1">
+            <a:schemeClr val="accent1"/>
+          </a:fillRef>
+          <a:effectRef idx="0">
+            <a:schemeClr val="accent1"/>
+          </a:effectRef>
+          <a:fontRef idx="minor">
+            <a:schemeClr val="lt1"/>
+          </a:fontRef>
+        </p:style>
+        <p:txBody>
+          <a:bodyPr rtlCol="0" anchor="ctr"/>
+          <a:lstStyle/>
+          <a:p>
+            <a:pPr algn="ctr"/>
+            <a:r>
+              <a:rPr lang="de-DE" sz="1100" dirty="0"/>
+              <a:t>Durchbruch</a:t>
+            </a:r>
+          </a:p>
+        </p:txBody>
+      </p:sp>
+      <p:cxnSp>
+        <p:nvCxnSpPr>
+          <p:cNvPr id="18" name="Gerader Verbinder 17">
+            <a:extLst>
+              <a:ext uri="{FF2B5EF4-FFF2-40B4-BE49-F238E27FC236}">
+                <a16:creationId xmlns:a16="http://schemas.microsoft.com/office/drawing/2014/main" id="{1224FB37-5DCC-4375-8E7E-7613CCBB2BEB}"/>
+              </a:ext>
+            </a:extLst>
+          </p:cNvPr>
+          <p:cNvCxnSpPr>
+            <a:stCxn id="7" idx="2"/>
+            <a:endCxn id="15" idx="0"/>
+          </p:cNvCxnSpPr>
+          <p:nvPr/>
+        </p:nvCxnSpPr>
+        <p:spPr>
+          <a:xfrm flipH="1">
+            <a:off x="3480750" y="1518767"/>
+            <a:ext cx="879984" cy="468085"/>
+          </a:xfrm>
+          <a:prstGeom prst="line">
+            <a:avLst/>
+          </a:prstGeom>
+        </p:spPr>
+        <p:style>
+          <a:lnRef idx="2">
+            <a:schemeClr val="accent1">
+              <a:shade val="50000"/>
+            </a:schemeClr>
+          </a:lnRef>
+          <a:fillRef idx="1">
+            <a:schemeClr val="accent1"/>
+          </a:fillRef>
+          <a:effectRef idx="0">
+            <a:schemeClr val="accent1"/>
+          </a:effectRef>
+          <a:fontRef idx="minor">
+            <a:schemeClr val="lt1"/>
+          </a:fontRef>
+        </p:style>
+      </p:cxnSp>
+      <p:cxnSp>
+        <p:nvCxnSpPr>
+          <p:cNvPr id="20" name="Gerader Verbinder 19">
+            <a:extLst>
+              <a:ext uri="{FF2B5EF4-FFF2-40B4-BE49-F238E27FC236}">
+                <a16:creationId xmlns:a16="http://schemas.microsoft.com/office/drawing/2014/main" id="{CBAB1EC5-81B6-4838-A330-7AC02DB9E5BF}"/>
+              </a:ext>
+            </a:extLst>
+          </p:cNvPr>
+          <p:cNvCxnSpPr>
+            <a:stCxn id="7" idx="2"/>
+            <a:endCxn id="16" idx="0"/>
+          </p:cNvCxnSpPr>
+          <p:nvPr/>
+        </p:nvCxnSpPr>
+        <p:spPr>
+          <a:xfrm>
+            <a:off x="4360734" y="1518767"/>
+            <a:ext cx="924907" cy="468085"/>
+          </a:xfrm>
+          <a:prstGeom prst="line">
+            <a:avLst/>
+          </a:prstGeom>
+        </p:spPr>
+        <p:style>
+          <a:lnRef idx="2">
+            <a:schemeClr val="accent1">
+              <a:shade val="50000"/>
+            </a:schemeClr>
+          </a:lnRef>
+          <a:fillRef idx="1">
+            <a:schemeClr val="accent1"/>
+          </a:fillRef>
+          <a:effectRef idx="0">
+            <a:schemeClr val="accent1"/>
+          </a:effectRef>
+          <a:fontRef idx="minor">
+            <a:schemeClr val="lt1"/>
+          </a:fontRef>
+        </p:style>
+      </p:cxnSp>
+      <p:sp>
+        <p:nvSpPr>
+          <p:cNvPr id="29" name="Rechteck 28">
+            <a:extLst>
+              <a:ext uri="{FF2B5EF4-FFF2-40B4-BE49-F238E27FC236}">
+                <a16:creationId xmlns:a16="http://schemas.microsoft.com/office/drawing/2014/main" id="{2A55E612-A9BF-4161-8C8A-E920E519C31C}"/>
+              </a:ext>
+            </a:extLst>
+          </p:cNvPr>
+          <p:cNvSpPr/>
+          <p:nvPr/>
+        </p:nvSpPr>
+        <p:spPr>
+          <a:xfrm>
+            <a:off x="3603668" y="2362575"/>
+            <a:ext cx="1080000" cy="216000"/>
+          </a:xfrm>
+          <a:prstGeom prst="rect">
+            <a:avLst/>
+          </a:prstGeom>
+        </p:spPr>
+        <p:style>
+          <a:lnRef idx="2">
+            <a:schemeClr val="accent1">
+              <a:shade val="50000"/>
+            </a:schemeClr>
+          </a:lnRef>
+          <a:fillRef idx="1">
+            <a:schemeClr val="accent1"/>
+          </a:fillRef>
+          <a:effectRef idx="0">
+            <a:schemeClr val="accent1"/>
+          </a:effectRef>
+          <a:fontRef idx="minor">
+            <a:schemeClr val="lt1"/>
+          </a:fontRef>
+        </p:style>
+        <p:txBody>
+          <a:bodyPr rtlCol="0" anchor="ctr"/>
+          <a:lstStyle/>
+          <a:p>
+            <a:pPr algn="ctr"/>
+            <a:r>
+              <a:rPr lang="de-DE" sz="1100" dirty="0"/>
+              <a:t>Waffenwurf</a:t>
+            </a:r>
+          </a:p>
+        </p:txBody>
+      </p:sp>
+      <p:cxnSp>
+        <p:nvCxnSpPr>
+          <p:cNvPr id="31" name="Gerader Verbinder 30">
+            <a:extLst>
+              <a:ext uri="{FF2B5EF4-FFF2-40B4-BE49-F238E27FC236}">
+                <a16:creationId xmlns:a16="http://schemas.microsoft.com/office/drawing/2014/main" id="{7F54CAD4-5618-4E32-BC04-8656195D7AA0}"/>
+              </a:ext>
+            </a:extLst>
+          </p:cNvPr>
+          <p:cNvCxnSpPr>
+            <a:stCxn id="29" idx="0"/>
+            <a:endCxn id="7" idx="2"/>
+          </p:cNvCxnSpPr>
+          <p:nvPr/>
+        </p:nvCxnSpPr>
+        <p:spPr>
+          <a:xfrm flipV="1">
+            <a:off x="4143668" y="1518767"/>
+            <a:ext cx="217066" cy="843808"/>
+          </a:xfrm>
+          <a:prstGeom prst="line">
+            <a:avLst/>
+          </a:prstGeom>
+        </p:spPr>
+        <p:style>
+          <a:lnRef idx="2">
+            <a:schemeClr val="accent1">
+              <a:shade val="50000"/>
+            </a:schemeClr>
+          </a:lnRef>
+          <a:fillRef idx="1">
+            <a:schemeClr val="accent1"/>
+          </a:fillRef>
+          <a:effectRef idx="0">
+            <a:schemeClr val="accent1"/>
+          </a:effectRef>
+          <a:fontRef idx="minor">
+            <a:schemeClr val="lt1"/>
+          </a:fontRef>
+        </p:style>
+      </p:cxnSp>
+      <p:sp>
+        <p:nvSpPr>
+          <p:cNvPr id="32" name="Rechteck 31">
+            <a:extLst>
+              <a:ext uri="{FF2B5EF4-FFF2-40B4-BE49-F238E27FC236}">
+                <a16:creationId xmlns:a16="http://schemas.microsoft.com/office/drawing/2014/main" id="{DC137E0C-F2B7-4BE5-8ECB-9B5796A04A17}"/>
+              </a:ext>
+            </a:extLst>
+          </p:cNvPr>
+          <p:cNvSpPr/>
+          <p:nvPr/>
+        </p:nvSpPr>
+        <p:spPr>
+          <a:xfrm>
+            <a:off x="2001208" y="2698660"/>
+            <a:ext cx="1080000" cy="216000"/>
+          </a:xfrm>
+          <a:prstGeom prst="rect">
+            <a:avLst/>
+          </a:prstGeom>
+        </p:spPr>
+        <p:style>
+          <a:lnRef idx="2">
+            <a:schemeClr val="accent1">
+              <a:shade val="50000"/>
+            </a:schemeClr>
+          </a:lnRef>
+          <a:fillRef idx="1">
+            <a:schemeClr val="accent1"/>
+          </a:fillRef>
+          <a:effectRef idx="0">
+            <a:schemeClr val="accent1"/>
+          </a:effectRef>
+          <a:fontRef idx="minor">
+            <a:schemeClr val="lt1"/>
+          </a:fontRef>
+        </p:style>
+        <p:txBody>
+          <a:bodyPr rtlCol="0" anchor="ctr"/>
+          <a:lstStyle/>
+          <a:p>
+            <a:pPr algn="ctr"/>
+            <a:r>
+              <a:rPr lang="de-DE" sz="1100" dirty="0"/>
+              <a:t>Wirbelwind</a:t>
+            </a:r>
+          </a:p>
+        </p:txBody>
+      </p:sp>
+      <p:sp>
+        <p:nvSpPr>
+          <p:cNvPr id="33" name="Rechteck 32">
+            <a:extLst>
+              <a:ext uri="{FF2B5EF4-FFF2-40B4-BE49-F238E27FC236}">
+                <a16:creationId xmlns:a16="http://schemas.microsoft.com/office/drawing/2014/main" id="{E3397F09-82B9-4296-B179-28D66B4C31BF}"/>
+              </a:ext>
+            </a:extLst>
+          </p:cNvPr>
+          <p:cNvSpPr/>
+          <p:nvPr/>
+        </p:nvSpPr>
+        <p:spPr>
+          <a:xfrm>
+            <a:off x="4666128" y="2738299"/>
+            <a:ext cx="1080000" cy="216000"/>
+          </a:xfrm>
+          <a:prstGeom prst="rect">
+            <a:avLst/>
+          </a:prstGeom>
+        </p:spPr>
+        <p:style>
+          <a:lnRef idx="2">
+            <a:schemeClr val="accent1">
+              <a:shade val="50000"/>
+            </a:schemeClr>
+          </a:lnRef>
+          <a:fillRef idx="1">
+            <a:schemeClr val="accent1"/>
+          </a:fillRef>
+          <a:effectRef idx="0">
+            <a:schemeClr val="accent1"/>
+          </a:effectRef>
+          <a:fontRef idx="minor">
+            <a:schemeClr val="lt1"/>
+          </a:fontRef>
+        </p:style>
+        <p:txBody>
+          <a:bodyPr rtlCol="0" anchor="ctr"/>
+          <a:lstStyle/>
+          <a:p>
+            <a:pPr algn="ctr"/>
+            <a:r>
+              <a:rPr lang="de-DE" sz="1100" dirty="0"/>
               <a:t>Tiefe Wunde</a:t>
             </a:r>
           </a:p>
@@ -4009,6 +4026,7 @@
             </a:extLst>
           </p:cNvPr>
           <p:cNvCxnSpPr>
+            <a:cxnSpLocks/>
             <a:stCxn id="15" idx="2"/>
             <a:endCxn id="32" idx="0"/>
           </p:cNvCxnSpPr>
@@ -4016,7 +4034,7 @@
         </p:nvCxnSpPr>
         <p:spPr>
           <a:xfrm flipH="1">
-            <a:off x="2521586" y="2736580"/>
+            <a:off x="2541208" y="2202852"/>
             <a:ext cx="939542" cy="495808"/>
           </a:xfrm>
           <a:prstGeom prst="line">
@@ -4024,17 +4042,19 @@
           </a:prstGeom>
         </p:spPr>
         <p:style>
-          <a:lnRef idx="1">
-            <a:schemeClr val="accent1"/>
+          <a:lnRef idx="2">
+            <a:schemeClr val="accent1">
+              <a:shade val="50000"/>
+            </a:schemeClr>
           </a:lnRef>
-          <a:fillRef idx="0">
+          <a:fillRef idx="1">
             <a:schemeClr val="accent1"/>
           </a:fillRef>
           <a:effectRef idx="0">
             <a:schemeClr val="accent1"/>
           </a:effectRef>
           <a:fontRef idx="minor">
-            <a:schemeClr val="tx1"/>
+            <a:schemeClr val="lt1"/>
           </a:fontRef>
         </p:style>
       </p:cxnSp>
@@ -4055,7 +4075,7 @@
         </p:nvCxnSpPr>
         <p:spPr>
           <a:xfrm flipH="1">
-            <a:off x="5186506" y="2736580"/>
+            <a:off x="5206128" y="2202852"/>
             <a:ext cx="79513" cy="535447"/>
           </a:xfrm>
           <a:prstGeom prst="line">
@@ -4063,17 +4083,19 @@
           </a:prstGeom>
         </p:spPr>
         <p:style>
-          <a:lnRef idx="1">
-            <a:schemeClr val="accent1"/>
+          <a:lnRef idx="2">
+            <a:schemeClr val="accent1">
+              <a:shade val="50000"/>
+            </a:schemeClr>
           </a:lnRef>
-          <a:fillRef idx="0">
+          <a:fillRef idx="1">
             <a:schemeClr val="accent1"/>
           </a:fillRef>
           <a:effectRef idx="0">
             <a:schemeClr val="accent1"/>
           </a:effectRef>
           <a:fontRef idx="minor">
-            <a:schemeClr val="tx1"/>
+            <a:schemeClr val="lt1"/>
           </a:fontRef>
         </p:style>
       </p:cxnSp>
@@ -4091,7 +4113,7 @@
         </p:nvSpPr>
         <p:spPr>
           <a:xfrm>
-            <a:off x="748531" y="866171"/>
+            <a:off x="768153" y="595383"/>
             <a:ext cx="1464855" cy="216000"/>
           </a:xfrm>
           <a:prstGeom prst="rect">
@@ -4219,7 +4241,12 @@
           <a:p>
             <a:pPr algn="ctr"/>
             <a:r>
-              <a:rPr lang="de-DE" sz="1100" dirty="0"/>
+              <a:rPr lang="de-DE" sz="1100" dirty="0">
+                <a:ln w="0"/>
+                <a:solidFill>
+                  <a:schemeClr val="bg1"/>
+                </a:solidFill>
+              </a:rPr>
               <a:t>Animalischer Instinkt</a:t>
             </a:r>
           </a:p>
@@ -4239,7 +4266,7 @@
         </p:nvSpPr>
         <p:spPr>
           <a:xfrm>
-            <a:off x="901586" y="1459747"/>
+            <a:off x="921208" y="926019"/>
             <a:ext cx="1080000" cy="216000"/>
           </a:xfrm>
           <a:prstGeom prst="rect">
@@ -4367,7 +4394,12 @@
           <a:p>
             <a:pPr algn="ctr"/>
             <a:r>
-              <a:rPr lang="de-DE" sz="1100" dirty="0"/>
+              <a:rPr lang="de-DE" sz="1100" dirty="0">
+                <a:ln w="0"/>
+                <a:solidFill>
+                  <a:schemeClr val="bg1"/>
+                </a:solidFill>
+              </a:rPr>
               <a:t>Wut</a:t>
             </a:r>
           </a:p>
@@ -4387,7 +4419,7 @@
         </p:nvSpPr>
         <p:spPr>
           <a:xfrm>
-            <a:off x="901586" y="1944495"/>
+            <a:off x="921208" y="1410767"/>
             <a:ext cx="1080000" cy="216000"/>
           </a:xfrm>
           <a:prstGeom prst="rect">
@@ -4515,7 +4547,12 @@
           <a:p>
             <a:pPr algn="ctr"/>
             <a:r>
-              <a:rPr lang="de-DE" sz="1100" dirty="0"/>
+              <a:rPr lang="de-DE" sz="1100" dirty="0">
+                <a:ln w="0"/>
+                <a:solidFill>
+                  <a:schemeClr val="bg1"/>
+                </a:solidFill>
+              </a:rPr>
               <a:t>Blutrausch</a:t>
             </a:r>
           </a:p>
@@ -4538,46 +4575,10 @@
         </p:nvCxnSpPr>
         <p:spPr>
           <a:xfrm>
-            <a:off x="1441586" y="1675747"/>
+            <a:off x="1461208" y="1142019"/>
             <a:ext cx="0" cy="268748"/>
           </a:xfrm>
           <a:prstGeom prst="line">
-            <a:avLst/>
-          </a:prstGeom>
-        </p:spPr>
-        <p:style>
-          <a:lnRef idx="1">
-            <a:schemeClr val="accent1"/>
-          </a:lnRef>
-          <a:fillRef idx="0">
-            <a:schemeClr val="accent1"/>
-          </a:fillRef>
-          <a:effectRef idx="0">
-            <a:schemeClr val="accent1"/>
-          </a:effectRef>
-          <a:fontRef idx="minor">
-            <a:schemeClr val="tx1"/>
-          </a:fontRef>
-        </p:style>
-      </p:cxnSp>
-      <p:sp>
-        <p:nvSpPr>
-          <p:cNvPr id="27" name="Rechteck 26">
-            <a:extLst>
-              <a:ext uri="{FF2B5EF4-FFF2-40B4-BE49-F238E27FC236}">
-                <a16:creationId xmlns:a16="http://schemas.microsoft.com/office/drawing/2014/main" id="{2A0DE4AB-03E8-4978-9DE1-17A6538E15A7}"/>
-              </a:ext>
-            </a:extLst>
-          </p:cNvPr>
-          <p:cNvSpPr/>
-          <p:nvPr/>
-        </p:nvSpPr>
-        <p:spPr>
-          <a:xfrm>
-            <a:off x="3092734" y="3876619"/>
-            <a:ext cx="1385603" cy="216000"/>
-          </a:xfrm>
-          <a:prstGeom prst="rect">
             <a:avLst/>
           </a:prstGeom>
         </p:spPr>
@@ -4597,6 +4598,44 @@
             <a:schemeClr val="lt1"/>
           </a:fontRef>
         </p:style>
+      </p:cxnSp>
+      <p:sp>
+        <p:nvSpPr>
+          <p:cNvPr id="27" name="Rechteck 26">
+            <a:extLst>
+              <a:ext uri="{FF2B5EF4-FFF2-40B4-BE49-F238E27FC236}">
+                <a16:creationId xmlns:a16="http://schemas.microsoft.com/office/drawing/2014/main" id="{2A0DE4AB-03E8-4978-9DE1-17A6538E15A7}"/>
+              </a:ext>
+            </a:extLst>
+          </p:cNvPr>
+          <p:cNvSpPr/>
+          <p:nvPr/>
+        </p:nvSpPr>
+        <p:spPr>
+          <a:xfrm>
+            <a:off x="5358720" y="3470683"/>
+            <a:ext cx="1385603" cy="216000"/>
+          </a:xfrm>
+          <a:prstGeom prst="rect">
+            <a:avLst/>
+          </a:prstGeom>
+        </p:spPr>
+        <p:style>
+          <a:lnRef idx="2">
+            <a:schemeClr val="accent1">
+              <a:shade val="50000"/>
+            </a:schemeClr>
+          </a:lnRef>
+          <a:fillRef idx="1">
+            <a:schemeClr val="accent1"/>
+          </a:fillRef>
+          <a:effectRef idx="0">
+            <a:schemeClr val="accent1"/>
+          </a:effectRef>
+          <a:fontRef idx="minor">
+            <a:schemeClr val="lt1"/>
+          </a:fontRef>
+        </p:style>
         <p:txBody>
           <a:bodyPr rtlCol="0" anchor="ctr"/>
           <a:lstStyle/>
@@ -4623,6 +4662,7 @@
             </a:extLst>
           </p:cNvPr>
           <p:cNvCxnSpPr>
+            <a:cxnSpLocks/>
             <a:stCxn id="32" idx="2"/>
             <a:endCxn id="27" idx="0"/>
           </p:cNvCxnSpPr>
@@ -4630,25 +4670,27 @@
         </p:nvCxnSpPr>
         <p:spPr>
           <a:xfrm>
-            <a:off x="2521586" y="3448388"/>
-            <a:ext cx="1263950" cy="428231"/>
+            <a:off x="2541208" y="2914660"/>
+            <a:ext cx="3510314" cy="556023"/>
           </a:xfrm>
           <a:prstGeom prst="line">
             <a:avLst/>
           </a:prstGeom>
         </p:spPr>
         <p:style>
-          <a:lnRef idx="1">
-            <a:schemeClr val="accent1"/>
+          <a:lnRef idx="2">
+            <a:schemeClr val="accent1">
+              <a:shade val="50000"/>
+            </a:schemeClr>
           </a:lnRef>
-          <a:fillRef idx="0">
+          <a:fillRef idx="1">
             <a:schemeClr val="accent1"/>
           </a:fillRef>
           <a:effectRef idx="0">
             <a:schemeClr val="accent1"/>
           </a:effectRef>
           <a:fontRef idx="minor">
-            <a:schemeClr val="tx1"/>
+            <a:schemeClr val="lt1"/>
           </a:fontRef>
         </p:style>
       </p:cxnSp>
@@ -4668,26 +4710,1197 @@
           <p:nvPr/>
         </p:nvCxnSpPr>
         <p:spPr>
-          <a:xfrm flipH="1">
-            <a:off x="3785536" y="3488027"/>
-            <a:ext cx="1400970" cy="388592"/>
+          <a:xfrm>
+            <a:off x="5206128" y="2954299"/>
+            <a:ext cx="845394" cy="516384"/>
           </a:xfrm>
           <a:prstGeom prst="line">
             <a:avLst/>
           </a:prstGeom>
         </p:spPr>
         <p:style>
-          <a:lnRef idx="1">
-            <a:schemeClr val="accent1"/>
+          <a:lnRef idx="2">
+            <a:schemeClr val="accent1">
+              <a:shade val="50000"/>
+            </a:schemeClr>
           </a:lnRef>
-          <a:fillRef idx="0">
+          <a:fillRef idx="1">
             <a:schemeClr val="accent1"/>
           </a:fillRef>
           <a:effectRef idx="0">
             <a:schemeClr val="accent1"/>
           </a:effectRef>
           <a:fontRef idx="minor">
-            <a:schemeClr val="tx1"/>
+            <a:schemeClr val="lt1"/>
+          </a:fontRef>
+        </p:style>
+      </p:cxnSp>
+      <p:sp>
+        <p:nvSpPr>
+          <p:cNvPr id="2" name="Ellipse 1">
+            <a:extLst>
+              <a:ext uri="{FF2B5EF4-FFF2-40B4-BE49-F238E27FC236}">
+                <a16:creationId xmlns:a16="http://schemas.microsoft.com/office/drawing/2014/main" id="{6440035B-E084-4167-97D5-E5ADE11FFE7A}"/>
+              </a:ext>
+            </a:extLst>
+          </p:cNvPr>
+          <p:cNvSpPr/>
+          <p:nvPr/>
+        </p:nvSpPr>
+        <p:spPr>
+          <a:xfrm>
+            <a:off x="3980714" y="4203067"/>
+            <a:ext cx="1101466" cy="296297"/>
+          </a:xfrm>
+          <a:prstGeom prst="ellipse">
+            <a:avLst/>
+          </a:prstGeom>
+        </p:spPr>
+        <p:style>
+          <a:lnRef idx="2">
+            <a:schemeClr val="accent1">
+              <a:shade val="50000"/>
+            </a:schemeClr>
+          </a:lnRef>
+          <a:fillRef idx="1">
+            <a:schemeClr val="accent1"/>
+          </a:fillRef>
+          <a:effectRef idx="0">
+            <a:schemeClr val="accent1"/>
+          </a:effectRef>
+          <a:fontRef idx="minor">
+            <a:schemeClr val="lt1"/>
+          </a:fontRef>
+        </p:style>
+        <p:txBody>
+          <a:bodyPr rtlCol="0" anchor="ctr"/>
+          <a:lstStyle/>
+          <a:p>
+            <a:pPr algn="ctr"/>
+            <a:r>
+              <a:rPr lang="de-DE" sz="1100" dirty="0"/>
+              <a:t>Bestie</a:t>
+            </a:r>
+          </a:p>
+        </p:txBody>
+      </p:sp>
+      <p:sp>
+        <p:nvSpPr>
+          <p:cNvPr id="4" name="Ellipse 3">
+            <a:extLst>
+              <a:ext uri="{FF2B5EF4-FFF2-40B4-BE49-F238E27FC236}">
+                <a16:creationId xmlns:a16="http://schemas.microsoft.com/office/drawing/2014/main" id="{A2B1108E-E7A4-41A8-A0F3-BC785FD4D581}"/>
+              </a:ext>
+            </a:extLst>
+          </p:cNvPr>
+          <p:cNvSpPr/>
+          <p:nvPr/>
+        </p:nvSpPr>
+        <p:spPr>
+          <a:xfrm>
+            <a:off x="7370668" y="4203066"/>
+            <a:ext cx="1027684" cy="296297"/>
+          </a:xfrm>
+          <a:prstGeom prst="ellipse">
+            <a:avLst/>
+          </a:prstGeom>
+        </p:spPr>
+        <p:style>
+          <a:lnRef idx="2">
+            <a:schemeClr val="accent1">
+              <a:shade val="50000"/>
+            </a:schemeClr>
+          </a:lnRef>
+          <a:fillRef idx="1">
+            <a:schemeClr val="accent1"/>
+          </a:fillRef>
+          <a:effectRef idx="0">
+            <a:schemeClr val="accent1"/>
+          </a:effectRef>
+          <a:fontRef idx="minor">
+            <a:schemeClr val="lt1"/>
+          </a:fontRef>
+        </p:style>
+        <p:txBody>
+          <a:bodyPr rtlCol="0" anchor="ctr"/>
+          <a:lstStyle/>
+          <a:p>
+            <a:pPr algn="ctr"/>
+            <a:r>
+              <a:rPr lang="de-DE" sz="1100" dirty="0"/>
+              <a:t>Gladiator</a:t>
+            </a:r>
+          </a:p>
+        </p:txBody>
+      </p:sp>
+      <p:cxnSp>
+        <p:nvCxnSpPr>
+          <p:cNvPr id="17" name="Gerader Verbinder 16">
+            <a:extLst>
+              <a:ext uri="{FF2B5EF4-FFF2-40B4-BE49-F238E27FC236}">
+                <a16:creationId xmlns:a16="http://schemas.microsoft.com/office/drawing/2014/main" id="{7858EB10-8159-4898-9BFF-45B5E928CBA8}"/>
+              </a:ext>
+            </a:extLst>
+          </p:cNvPr>
+          <p:cNvCxnSpPr>
+            <a:stCxn id="27" idx="2"/>
+            <a:endCxn id="2" idx="0"/>
+          </p:cNvCxnSpPr>
+          <p:nvPr/>
+        </p:nvCxnSpPr>
+        <p:spPr>
+          <a:xfrm flipH="1">
+            <a:off x="4531447" y="3686683"/>
+            <a:ext cx="1520075" cy="516384"/>
+          </a:xfrm>
+          <a:prstGeom prst="line">
+            <a:avLst/>
+          </a:prstGeom>
+        </p:spPr>
+        <p:style>
+          <a:lnRef idx="2">
+            <a:schemeClr val="accent1">
+              <a:shade val="50000"/>
+            </a:schemeClr>
+          </a:lnRef>
+          <a:fillRef idx="1">
+            <a:schemeClr val="accent1"/>
+          </a:fillRef>
+          <a:effectRef idx="0">
+            <a:schemeClr val="accent1"/>
+          </a:effectRef>
+          <a:fontRef idx="minor">
+            <a:schemeClr val="lt1"/>
+          </a:fontRef>
+        </p:style>
+      </p:cxnSp>
+      <p:cxnSp>
+        <p:nvCxnSpPr>
+          <p:cNvPr id="26" name="Gerader Verbinder 25">
+            <a:extLst>
+              <a:ext uri="{FF2B5EF4-FFF2-40B4-BE49-F238E27FC236}">
+                <a16:creationId xmlns:a16="http://schemas.microsoft.com/office/drawing/2014/main" id="{A17F1C17-002B-4683-B9D1-197DA7C64ECC}"/>
+              </a:ext>
+            </a:extLst>
+          </p:cNvPr>
+          <p:cNvCxnSpPr>
+            <a:stCxn id="27" idx="2"/>
+            <a:endCxn id="4" idx="0"/>
+          </p:cNvCxnSpPr>
+          <p:nvPr/>
+        </p:nvCxnSpPr>
+        <p:spPr>
+          <a:xfrm>
+            <a:off x="6051522" y="3686683"/>
+            <a:ext cx="1832988" cy="516383"/>
+          </a:xfrm>
+          <a:prstGeom prst="line">
+            <a:avLst/>
+          </a:prstGeom>
+        </p:spPr>
+        <p:style>
+          <a:lnRef idx="2">
+            <a:schemeClr val="accent1">
+              <a:shade val="50000"/>
+            </a:schemeClr>
+          </a:lnRef>
+          <a:fillRef idx="1">
+            <a:schemeClr val="accent1"/>
+          </a:fillRef>
+          <a:effectRef idx="0">
+            <a:schemeClr val="accent1"/>
+          </a:effectRef>
+          <a:fontRef idx="minor">
+            <a:schemeClr val="lt1"/>
+          </a:fontRef>
+        </p:style>
+      </p:cxnSp>
+      <p:sp>
+        <p:nvSpPr>
+          <p:cNvPr id="34" name="Rechteck 33">
+            <a:extLst>
+              <a:ext uri="{FF2B5EF4-FFF2-40B4-BE49-F238E27FC236}">
+                <a16:creationId xmlns:a16="http://schemas.microsoft.com/office/drawing/2014/main" id="{E3397F09-82B9-4296-B179-28D66B4C31BF}"/>
+              </a:ext>
+            </a:extLst>
+          </p:cNvPr>
+          <p:cNvSpPr/>
+          <p:nvPr/>
+        </p:nvSpPr>
+        <p:spPr>
+          <a:xfrm>
+            <a:off x="6969405" y="1986852"/>
+            <a:ext cx="1080000" cy="216000"/>
+          </a:xfrm>
+          <a:prstGeom prst="rect">
+            <a:avLst/>
+          </a:prstGeom>
+        </p:spPr>
+        <p:style>
+          <a:lnRef idx="2">
+            <a:schemeClr val="accent1">
+              <a:shade val="50000"/>
+            </a:schemeClr>
+          </a:lnRef>
+          <a:fillRef idx="1">
+            <a:schemeClr val="accent1"/>
+          </a:fillRef>
+          <a:effectRef idx="0">
+            <a:schemeClr val="accent1"/>
+          </a:effectRef>
+          <a:fontRef idx="minor">
+            <a:schemeClr val="lt1"/>
+          </a:fontRef>
+        </p:style>
+        <p:txBody>
+          <a:bodyPr rtlCol="0" anchor="ctr"/>
+          <a:lstStyle>
+            <a:defPPr>
+              <a:defRPr lang="de-DE"/>
+            </a:defPPr>
+            <a:lvl1pPr marL="0" algn="l" defTabSz="914400" rtl="0" eaLnBrk="1" latinLnBrk="0" hangingPunct="1">
+              <a:defRPr sz="1800" kern="1200">
+                <a:solidFill>
+                  <a:schemeClr val="lt1"/>
+                </a:solidFill>
+                <a:latin typeface="+mn-lt"/>
+                <a:ea typeface="+mn-ea"/>
+                <a:cs typeface="+mn-cs"/>
+              </a:defRPr>
+            </a:lvl1pPr>
+            <a:lvl2pPr marL="457200" algn="l" defTabSz="914400" rtl="0" eaLnBrk="1" latinLnBrk="0" hangingPunct="1">
+              <a:defRPr sz="1800" kern="1200">
+                <a:solidFill>
+                  <a:schemeClr val="lt1"/>
+                </a:solidFill>
+                <a:latin typeface="+mn-lt"/>
+                <a:ea typeface="+mn-ea"/>
+                <a:cs typeface="+mn-cs"/>
+              </a:defRPr>
+            </a:lvl2pPr>
+            <a:lvl3pPr marL="914400" algn="l" defTabSz="914400" rtl="0" eaLnBrk="1" latinLnBrk="0" hangingPunct="1">
+              <a:defRPr sz="1800" kern="1200">
+                <a:solidFill>
+                  <a:schemeClr val="lt1"/>
+                </a:solidFill>
+                <a:latin typeface="+mn-lt"/>
+                <a:ea typeface="+mn-ea"/>
+                <a:cs typeface="+mn-cs"/>
+              </a:defRPr>
+            </a:lvl3pPr>
+            <a:lvl4pPr marL="1371600" algn="l" defTabSz="914400" rtl="0" eaLnBrk="1" latinLnBrk="0" hangingPunct="1">
+              <a:defRPr sz="1800" kern="1200">
+                <a:solidFill>
+                  <a:schemeClr val="lt1"/>
+                </a:solidFill>
+                <a:latin typeface="+mn-lt"/>
+                <a:ea typeface="+mn-ea"/>
+                <a:cs typeface="+mn-cs"/>
+              </a:defRPr>
+            </a:lvl4pPr>
+            <a:lvl5pPr marL="1828800" algn="l" defTabSz="914400" rtl="0" eaLnBrk="1" latinLnBrk="0" hangingPunct="1">
+              <a:defRPr sz="1800" kern="1200">
+                <a:solidFill>
+                  <a:schemeClr val="lt1"/>
+                </a:solidFill>
+                <a:latin typeface="+mn-lt"/>
+                <a:ea typeface="+mn-ea"/>
+                <a:cs typeface="+mn-cs"/>
+              </a:defRPr>
+            </a:lvl5pPr>
+            <a:lvl6pPr marL="2286000" algn="l" defTabSz="914400" rtl="0" eaLnBrk="1" latinLnBrk="0" hangingPunct="1">
+              <a:defRPr sz="1800" kern="1200">
+                <a:solidFill>
+                  <a:schemeClr val="lt1"/>
+                </a:solidFill>
+                <a:latin typeface="+mn-lt"/>
+                <a:ea typeface="+mn-ea"/>
+                <a:cs typeface="+mn-cs"/>
+              </a:defRPr>
+            </a:lvl6pPr>
+            <a:lvl7pPr marL="2743200" algn="l" defTabSz="914400" rtl="0" eaLnBrk="1" latinLnBrk="0" hangingPunct="1">
+              <a:defRPr sz="1800" kern="1200">
+                <a:solidFill>
+                  <a:schemeClr val="lt1"/>
+                </a:solidFill>
+                <a:latin typeface="+mn-lt"/>
+                <a:ea typeface="+mn-ea"/>
+                <a:cs typeface="+mn-cs"/>
+              </a:defRPr>
+            </a:lvl7pPr>
+            <a:lvl8pPr marL="3200400" algn="l" defTabSz="914400" rtl="0" eaLnBrk="1" latinLnBrk="0" hangingPunct="1">
+              <a:defRPr sz="1800" kern="1200">
+                <a:solidFill>
+                  <a:schemeClr val="lt1"/>
+                </a:solidFill>
+                <a:latin typeface="+mn-lt"/>
+                <a:ea typeface="+mn-ea"/>
+                <a:cs typeface="+mn-cs"/>
+              </a:defRPr>
+            </a:lvl8pPr>
+            <a:lvl9pPr marL="3657600" algn="l" defTabSz="914400" rtl="0" eaLnBrk="1" latinLnBrk="0" hangingPunct="1">
+              <a:defRPr sz="1800" kern="1200">
+                <a:solidFill>
+                  <a:schemeClr val="lt1"/>
+                </a:solidFill>
+                <a:latin typeface="+mn-lt"/>
+                <a:ea typeface="+mn-ea"/>
+                <a:cs typeface="+mn-cs"/>
+              </a:defRPr>
+            </a:lvl9pPr>
+          </a:lstStyle>
+          <a:p>
+            <a:pPr algn="ctr"/>
+            <a:endParaRPr lang="de-DE" sz="1100" dirty="0"/>
+          </a:p>
+        </p:txBody>
+      </p:sp>
+      <p:sp>
+        <p:nvSpPr>
+          <p:cNvPr id="36" name="Rechteck 35">
+            <a:extLst>
+              <a:ext uri="{FF2B5EF4-FFF2-40B4-BE49-F238E27FC236}">
+                <a16:creationId xmlns:a16="http://schemas.microsoft.com/office/drawing/2014/main" id="{E3397F09-82B9-4296-B179-28D66B4C31BF}"/>
+              </a:ext>
+            </a:extLst>
+          </p:cNvPr>
+          <p:cNvSpPr/>
+          <p:nvPr/>
+        </p:nvSpPr>
+        <p:spPr>
+          <a:xfrm>
+            <a:off x="8974312" y="1986852"/>
+            <a:ext cx="1080000" cy="216000"/>
+          </a:xfrm>
+          <a:prstGeom prst="rect">
+            <a:avLst/>
+          </a:prstGeom>
+        </p:spPr>
+        <p:style>
+          <a:lnRef idx="2">
+            <a:schemeClr val="accent1">
+              <a:shade val="50000"/>
+            </a:schemeClr>
+          </a:lnRef>
+          <a:fillRef idx="1">
+            <a:schemeClr val="accent1"/>
+          </a:fillRef>
+          <a:effectRef idx="0">
+            <a:schemeClr val="accent1"/>
+          </a:effectRef>
+          <a:fontRef idx="minor">
+            <a:schemeClr val="lt1"/>
+          </a:fontRef>
+        </p:style>
+        <p:txBody>
+          <a:bodyPr rtlCol="0" anchor="ctr"/>
+          <a:lstStyle>
+            <a:defPPr>
+              <a:defRPr lang="de-DE"/>
+            </a:defPPr>
+            <a:lvl1pPr marL="0" algn="l" defTabSz="914400" rtl="0" eaLnBrk="1" latinLnBrk="0" hangingPunct="1">
+              <a:defRPr sz="1800" kern="1200">
+                <a:solidFill>
+                  <a:schemeClr val="lt1"/>
+                </a:solidFill>
+                <a:latin typeface="+mn-lt"/>
+                <a:ea typeface="+mn-ea"/>
+                <a:cs typeface="+mn-cs"/>
+              </a:defRPr>
+            </a:lvl1pPr>
+            <a:lvl2pPr marL="457200" algn="l" defTabSz="914400" rtl="0" eaLnBrk="1" latinLnBrk="0" hangingPunct="1">
+              <a:defRPr sz="1800" kern="1200">
+                <a:solidFill>
+                  <a:schemeClr val="lt1"/>
+                </a:solidFill>
+                <a:latin typeface="+mn-lt"/>
+                <a:ea typeface="+mn-ea"/>
+                <a:cs typeface="+mn-cs"/>
+              </a:defRPr>
+            </a:lvl2pPr>
+            <a:lvl3pPr marL="914400" algn="l" defTabSz="914400" rtl="0" eaLnBrk="1" latinLnBrk="0" hangingPunct="1">
+              <a:defRPr sz="1800" kern="1200">
+                <a:solidFill>
+                  <a:schemeClr val="lt1"/>
+                </a:solidFill>
+                <a:latin typeface="+mn-lt"/>
+                <a:ea typeface="+mn-ea"/>
+                <a:cs typeface="+mn-cs"/>
+              </a:defRPr>
+            </a:lvl3pPr>
+            <a:lvl4pPr marL="1371600" algn="l" defTabSz="914400" rtl="0" eaLnBrk="1" latinLnBrk="0" hangingPunct="1">
+              <a:defRPr sz="1800" kern="1200">
+                <a:solidFill>
+                  <a:schemeClr val="lt1"/>
+                </a:solidFill>
+                <a:latin typeface="+mn-lt"/>
+                <a:ea typeface="+mn-ea"/>
+                <a:cs typeface="+mn-cs"/>
+              </a:defRPr>
+            </a:lvl4pPr>
+            <a:lvl5pPr marL="1828800" algn="l" defTabSz="914400" rtl="0" eaLnBrk="1" latinLnBrk="0" hangingPunct="1">
+              <a:defRPr sz="1800" kern="1200">
+                <a:solidFill>
+                  <a:schemeClr val="lt1"/>
+                </a:solidFill>
+                <a:latin typeface="+mn-lt"/>
+                <a:ea typeface="+mn-ea"/>
+                <a:cs typeface="+mn-cs"/>
+              </a:defRPr>
+            </a:lvl5pPr>
+            <a:lvl6pPr marL="2286000" algn="l" defTabSz="914400" rtl="0" eaLnBrk="1" latinLnBrk="0" hangingPunct="1">
+              <a:defRPr sz="1800" kern="1200">
+                <a:solidFill>
+                  <a:schemeClr val="lt1"/>
+                </a:solidFill>
+                <a:latin typeface="+mn-lt"/>
+                <a:ea typeface="+mn-ea"/>
+                <a:cs typeface="+mn-cs"/>
+              </a:defRPr>
+            </a:lvl6pPr>
+            <a:lvl7pPr marL="2743200" algn="l" defTabSz="914400" rtl="0" eaLnBrk="1" latinLnBrk="0" hangingPunct="1">
+              <a:defRPr sz="1800" kern="1200">
+                <a:solidFill>
+                  <a:schemeClr val="lt1"/>
+                </a:solidFill>
+                <a:latin typeface="+mn-lt"/>
+                <a:ea typeface="+mn-ea"/>
+                <a:cs typeface="+mn-cs"/>
+              </a:defRPr>
+            </a:lvl7pPr>
+            <a:lvl8pPr marL="3200400" algn="l" defTabSz="914400" rtl="0" eaLnBrk="1" latinLnBrk="0" hangingPunct="1">
+              <a:defRPr sz="1800" kern="1200">
+                <a:solidFill>
+                  <a:schemeClr val="lt1"/>
+                </a:solidFill>
+                <a:latin typeface="+mn-lt"/>
+                <a:ea typeface="+mn-ea"/>
+                <a:cs typeface="+mn-cs"/>
+              </a:defRPr>
+            </a:lvl8pPr>
+            <a:lvl9pPr marL="3657600" algn="l" defTabSz="914400" rtl="0" eaLnBrk="1" latinLnBrk="0" hangingPunct="1">
+              <a:defRPr sz="1800" kern="1200">
+                <a:solidFill>
+                  <a:schemeClr val="lt1"/>
+                </a:solidFill>
+                <a:latin typeface="+mn-lt"/>
+                <a:ea typeface="+mn-ea"/>
+                <a:cs typeface="+mn-cs"/>
+              </a:defRPr>
+            </a:lvl9pPr>
+          </a:lstStyle>
+          <a:p>
+            <a:pPr algn="ctr"/>
+            <a:endParaRPr lang="de-DE" sz="1100" dirty="0"/>
+          </a:p>
+        </p:txBody>
+      </p:sp>
+      <p:sp>
+        <p:nvSpPr>
+          <p:cNvPr id="38" name="Rechteck 37">
+            <a:extLst>
+              <a:ext uri="{FF2B5EF4-FFF2-40B4-BE49-F238E27FC236}">
+                <a16:creationId xmlns:a16="http://schemas.microsoft.com/office/drawing/2014/main" id="{E3397F09-82B9-4296-B179-28D66B4C31BF}"/>
+              </a:ext>
+            </a:extLst>
+          </p:cNvPr>
+          <p:cNvSpPr/>
+          <p:nvPr/>
+        </p:nvSpPr>
+        <p:spPr>
+          <a:xfrm>
+            <a:off x="8164461" y="2369602"/>
+            <a:ext cx="1080000" cy="216000"/>
+          </a:xfrm>
+          <a:prstGeom prst="rect">
+            <a:avLst/>
+          </a:prstGeom>
+        </p:spPr>
+        <p:style>
+          <a:lnRef idx="2">
+            <a:schemeClr val="accent1">
+              <a:shade val="50000"/>
+            </a:schemeClr>
+          </a:lnRef>
+          <a:fillRef idx="1">
+            <a:schemeClr val="accent1"/>
+          </a:fillRef>
+          <a:effectRef idx="0">
+            <a:schemeClr val="accent1"/>
+          </a:effectRef>
+          <a:fontRef idx="minor">
+            <a:schemeClr val="lt1"/>
+          </a:fontRef>
+        </p:style>
+        <p:txBody>
+          <a:bodyPr rtlCol="0" anchor="ctr"/>
+          <a:lstStyle>
+            <a:defPPr>
+              <a:defRPr lang="de-DE"/>
+            </a:defPPr>
+            <a:lvl1pPr marL="0" algn="l" defTabSz="914400" rtl="0" eaLnBrk="1" latinLnBrk="0" hangingPunct="1">
+              <a:defRPr sz="1800" kern="1200">
+                <a:solidFill>
+                  <a:schemeClr val="lt1"/>
+                </a:solidFill>
+                <a:latin typeface="+mn-lt"/>
+                <a:ea typeface="+mn-ea"/>
+                <a:cs typeface="+mn-cs"/>
+              </a:defRPr>
+            </a:lvl1pPr>
+            <a:lvl2pPr marL="457200" algn="l" defTabSz="914400" rtl="0" eaLnBrk="1" latinLnBrk="0" hangingPunct="1">
+              <a:defRPr sz="1800" kern="1200">
+                <a:solidFill>
+                  <a:schemeClr val="lt1"/>
+                </a:solidFill>
+                <a:latin typeface="+mn-lt"/>
+                <a:ea typeface="+mn-ea"/>
+                <a:cs typeface="+mn-cs"/>
+              </a:defRPr>
+            </a:lvl2pPr>
+            <a:lvl3pPr marL="914400" algn="l" defTabSz="914400" rtl="0" eaLnBrk="1" latinLnBrk="0" hangingPunct="1">
+              <a:defRPr sz="1800" kern="1200">
+                <a:solidFill>
+                  <a:schemeClr val="lt1"/>
+                </a:solidFill>
+                <a:latin typeface="+mn-lt"/>
+                <a:ea typeface="+mn-ea"/>
+                <a:cs typeface="+mn-cs"/>
+              </a:defRPr>
+            </a:lvl3pPr>
+            <a:lvl4pPr marL="1371600" algn="l" defTabSz="914400" rtl="0" eaLnBrk="1" latinLnBrk="0" hangingPunct="1">
+              <a:defRPr sz="1800" kern="1200">
+                <a:solidFill>
+                  <a:schemeClr val="lt1"/>
+                </a:solidFill>
+                <a:latin typeface="+mn-lt"/>
+                <a:ea typeface="+mn-ea"/>
+                <a:cs typeface="+mn-cs"/>
+              </a:defRPr>
+            </a:lvl4pPr>
+            <a:lvl5pPr marL="1828800" algn="l" defTabSz="914400" rtl="0" eaLnBrk="1" latinLnBrk="0" hangingPunct="1">
+              <a:defRPr sz="1800" kern="1200">
+                <a:solidFill>
+                  <a:schemeClr val="lt1"/>
+                </a:solidFill>
+                <a:latin typeface="+mn-lt"/>
+                <a:ea typeface="+mn-ea"/>
+                <a:cs typeface="+mn-cs"/>
+              </a:defRPr>
+            </a:lvl5pPr>
+            <a:lvl6pPr marL="2286000" algn="l" defTabSz="914400" rtl="0" eaLnBrk="1" latinLnBrk="0" hangingPunct="1">
+              <a:defRPr sz="1800" kern="1200">
+                <a:solidFill>
+                  <a:schemeClr val="lt1"/>
+                </a:solidFill>
+                <a:latin typeface="+mn-lt"/>
+                <a:ea typeface="+mn-ea"/>
+                <a:cs typeface="+mn-cs"/>
+              </a:defRPr>
+            </a:lvl6pPr>
+            <a:lvl7pPr marL="2743200" algn="l" defTabSz="914400" rtl="0" eaLnBrk="1" latinLnBrk="0" hangingPunct="1">
+              <a:defRPr sz="1800" kern="1200">
+                <a:solidFill>
+                  <a:schemeClr val="lt1"/>
+                </a:solidFill>
+                <a:latin typeface="+mn-lt"/>
+                <a:ea typeface="+mn-ea"/>
+                <a:cs typeface="+mn-cs"/>
+              </a:defRPr>
+            </a:lvl7pPr>
+            <a:lvl8pPr marL="3200400" algn="l" defTabSz="914400" rtl="0" eaLnBrk="1" latinLnBrk="0" hangingPunct="1">
+              <a:defRPr sz="1800" kern="1200">
+                <a:solidFill>
+                  <a:schemeClr val="lt1"/>
+                </a:solidFill>
+                <a:latin typeface="+mn-lt"/>
+                <a:ea typeface="+mn-ea"/>
+                <a:cs typeface="+mn-cs"/>
+              </a:defRPr>
+            </a:lvl8pPr>
+            <a:lvl9pPr marL="3657600" algn="l" defTabSz="914400" rtl="0" eaLnBrk="1" latinLnBrk="0" hangingPunct="1">
+              <a:defRPr sz="1800" kern="1200">
+                <a:solidFill>
+                  <a:schemeClr val="lt1"/>
+                </a:solidFill>
+                <a:latin typeface="+mn-lt"/>
+                <a:ea typeface="+mn-ea"/>
+                <a:cs typeface="+mn-cs"/>
+              </a:defRPr>
+            </a:lvl9pPr>
+          </a:lstStyle>
+          <a:p>
+            <a:pPr algn="ctr"/>
+            <a:endParaRPr lang="de-DE" sz="1100" dirty="0"/>
+          </a:p>
+        </p:txBody>
+      </p:sp>
+      <p:sp>
+        <p:nvSpPr>
+          <p:cNvPr id="39" name="Rechteck 38">
+            <a:extLst>
+              <a:ext uri="{FF2B5EF4-FFF2-40B4-BE49-F238E27FC236}">
+                <a16:creationId xmlns:a16="http://schemas.microsoft.com/office/drawing/2014/main" id="{E3397F09-82B9-4296-B179-28D66B4C31BF}"/>
+              </a:ext>
+            </a:extLst>
+          </p:cNvPr>
+          <p:cNvSpPr/>
+          <p:nvPr/>
+        </p:nvSpPr>
+        <p:spPr>
+          <a:xfrm>
+            <a:off x="7282778" y="2745144"/>
+            <a:ext cx="1080000" cy="216000"/>
+          </a:xfrm>
+          <a:prstGeom prst="rect">
+            <a:avLst/>
+          </a:prstGeom>
+        </p:spPr>
+        <p:style>
+          <a:lnRef idx="2">
+            <a:schemeClr val="accent1">
+              <a:shade val="50000"/>
+            </a:schemeClr>
+          </a:lnRef>
+          <a:fillRef idx="1">
+            <a:schemeClr val="accent1"/>
+          </a:fillRef>
+          <a:effectRef idx="0">
+            <a:schemeClr val="accent1"/>
+          </a:effectRef>
+          <a:fontRef idx="minor">
+            <a:schemeClr val="lt1"/>
+          </a:fontRef>
+        </p:style>
+        <p:txBody>
+          <a:bodyPr rtlCol="0" anchor="ctr"/>
+          <a:lstStyle>
+            <a:defPPr>
+              <a:defRPr lang="de-DE"/>
+            </a:defPPr>
+            <a:lvl1pPr marL="0" algn="l" defTabSz="914400" rtl="0" eaLnBrk="1" latinLnBrk="0" hangingPunct="1">
+              <a:defRPr sz="1800" kern="1200">
+                <a:solidFill>
+                  <a:schemeClr val="lt1"/>
+                </a:solidFill>
+                <a:latin typeface="+mn-lt"/>
+                <a:ea typeface="+mn-ea"/>
+                <a:cs typeface="+mn-cs"/>
+              </a:defRPr>
+            </a:lvl1pPr>
+            <a:lvl2pPr marL="457200" algn="l" defTabSz="914400" rtl="0" eaLnBrk="1" latinLnBrk="0" hangingPunct="1">
+              <a:defRPr sz="1800" kern="1200">
+                <a:solidFill>
+                  <a:schemeClr val="lt1"/>
+                </a:solidFill>
+                <a:latin typeface="+mn-lt"/>
+                <a:ea typeface="+mn-ea"/>
+                <a:cs typeface="+mn-cs"/>
+              </a:defRPr>
+            </a:lvl2pPr>
+            <a:lvl3pPr marL="914400" algn="l" defTabSz="914400" rtl="0" eaLnBrk="1" latinLnBrk="0" hangingPunct="1">
+              <a:defRPr sz="1800" kern="1200">
+                <a:solidFill>
+                  <a:schemeClr val="lt1"/>
+                </a:solidFill>
+                <a:latin typeface="+mn-lt"/>
+                <a:ea typeface="+mn-ea"/>
+                <a:cs typeface="+mn-cs"/>
+              </a:defRPr>
+            </a:lvl3pPr>
+            <a:lvl4pPr marL="1371600" algn="l" defTabSz="914400" rtl="0" eaLnBrk="1" latinLnBrk="0" hangingPunct="1">
+              <a:defRPr sz="1800" kern="1200">
+                <a:solidFill>
+                  <a:schemeClr val="lt1"/>
+                </a:solidFill>
+                <a:latin typeface="+mn-lt"/>
+                <a:ea typeface="+mn-ea"/>
+                <a:cs typeface="+mn-cs"/>
+              </a:defRPr>
+            </a:lvl4pPr>
+            <a:lvl5pPr marL="1828800" algn="l" defTabSz="914400" rtl="0" eaLnBrk="1" latinLnBrk="0" hangingPunct="1">
+              <a:defRPr sz="1800" kern="1200">
+                <a:solidFill>
+                  <a:schemeClr val="lt1"/>
+                </a:solidFill>
+                <a:latin typeface="+mn-lt"/>
+                <a:ea typeface="+mn-ea"/>
+                <a:cs typeface="+mn-cs"/>
+              </a:defRPr>
+            </a:lvl5pPr>
+            <a:lvl6pPr marL="2286000" algn="l" defTabSz="914400" rtl="0" eaLnBrk="1" latinLnBrk="0" hangingPunct="1">
+              <a:defRPr sz="1800" kern="1200">
+                <a:solidFill>
+                  <a:schemeClr val="lt1"/>
+                </a:solidFill>
+                <a:latin typeface="+mn-lt"/>
+                <a:ea typeface="+mn-ea"/>
+                <a:cs typeface="+mn-cs"/>
+              </a:defRPr>
+            </a:lvl6pPr>
+            <a:lvl7pPr marL="2743200" algn="l" defTabSz="914400" rtl="0" eaLnBrk="1" latinLnBrk="0" hangingPunct="1">
+              <a:defRPr sz="1800" kern="1200">
+                <a:solidFill>
+                  <a:schemeClr val="lt1"/>
+                </a:solidFill>
+                <a:latin typeface="+mn-lt"/>
+                <a:ea typeface="+mn-ea"/>
+                <a:cs typeface="+mn-cs"/>
+              </a:defRPr>
+            </a:lvl7pPr>
+            <a:lvl8pPr marL="3200400" algn="l" defTabSz="914400" rtl="0" eaLnBrk="1" latinLnBrk="0" hangingPunct="1">
+              <a:defRPr sz="1800" kern="1200">
+                <a:solidFill>
+                  <a:schemeClr val="lt1"/>
+                </a:solidFill>
+                <a:latin typeface="+mn-lt"/>
+                <a:ea typeface="+mn-ea"/>
+                <a:cs typeface="+mn-cs"/>
+              </a:defRPr>
+            </a:lvl8pPr>
+            <a:lvl9pPr marL="3657600" algn="l" defTabSz="914400" rtl="0" eaLnBrk="1" latinLnBrk="0" hangingPunct="1">
+              <a:defRPr sz="1800" kern="1200">
+                <a:solidFill>
+                  <a:schemeClr val="lt1"/>
+                </a:solidFill>
+                <a:latin typeface="+mn-lt"/>
+                <a:ea typeface="+mn-ea"/>
+                <a:cs typeface="+mn-cs"/>
+              </a:defRPr>
+            </a:lvl9pPr>
+          </a:lstStyle>
+          <a:p>
+            <a:pPr algn="ctr"/>
+            <a:endParaRPr lang="de-DE" sz="1100" dirty="0"/>
+          </a:p>
+        </p:txBody>
+      </p:sp>
+      <p:sp>
+        <p:nvSpPr>
+          <p:cNvPr id="40" name="Rechteck 39">
+            <a:extLst>
+              <a:ext uri="{FF2B5EF4-FFF2-40B4-BE49-F238E27FC236}">
+                <a16:creationId xmlns:a16="http://schemas.microsoft.com/office/drawing/2014/main" id="{E3397F09-82B9-4296-B179-28D66B4C31BF}"/>
+              </a:ext>
+            </a:extLst>
+          </p:cNvPr>
+          <p:cNvSpPr/>
+          <p:nvPr/>
+        </p:nvSpPr>
+        <p:spPr>
+          <a:xfrm>
+            <a:off x="9690036" y="2784849"/>
+            <a:ext cx="1080000" cy="216000"/>
+          </a:xfrm>
+          <a:prstGeom prst="rect">
+            <a:avLst/>
+          </a:prstGeom>
+        </p:spPr>
+        <p:style>
+          <a:lnRef idx="2">
+            <a:schemeClr val="accent1">
+              <a:shade val="50000"/>
+            </a:schemeClr>
+          </a:lnRef>
+          <a:fillRef idx="1">
+            <a:schemeClr val="accent1"/>
+          </a:fillRef>
+          <a:effectRef idx="0">
+            <a:schemeClr val="accent1"/>
+          </a:effectRef>
+          <a:fontRef idx="minor">
+            <a:schemeClr val="lt1"/>
+          </a:fontRef>
+        </p:style>
+        <p:txBody>
+          <a:bodyPr rtlCol="0" anchor="ctr"/>
+          <a:lstStyle>
+            <a:defPPr>
+              <a:defRPr lang="de-DE"/>
+            </a:defPPr>
+            <a:lvl1pPr marL="0" algn="l" defTabSz="914400" rtl="0" eaLnBrk="1" latinLnBrk="0" hangingPunct="1">
+              <a:defRPr sz="1800" kern="1200">
+                <a:solidFill>
+                  <a:schemeClr val="lt1"/>
+                </a:solidFill>
+                <a:latin typeface="+mn-lt"/>
+                <a:ea typeface="+mn-ea"/>
+                <a:cs typeface="+mn-cs"/>
+              </a:defRPr>
+            </a:lvl1pPr>
+            <a:lvl2pPr marL="457200" algn="l" defTabSz="914400" rtl="0" eaLnBrk="1" latinLnBrk="0" hangingPunct="1">
+              <a:defRPr sz="1800" kern="1200">
+                <a:solidFill>
+                  <a:schemeClr val="lt1"/>
+                </a:solidFill>
+                <a:latin typeface="+mn-lt"/>
+                <a:ea typeface="+mn-ea"/>
+                <a:cs typeface="+mn-cs"/>
+              </a:defRPr>
+            </a:lvl2pPr>
+            <a:lvl3pPr marL="914400" algn="l" defTabSz="914400" rtl="0" eaLnBrk="1" latinLnBrk="0" hangingPunct="1">
+              <a:defRPr sz="1800" kern="1200">
+                <a:solidFill>
+                  <a:schemeClr val="lt1"/>
+                </a:solidFill>
+                <a:latin typeface="+mn-lt"/>
+                <a:ea typeface="+mn-ea"/>
+                <a:cs typeface="+mn-cs"/>
+              </a:defRPr>
+            </a:lvl3pPr>
+            <a:lvl4pPr marL="1371600" algn="l" defTabSz="914400" rtl="0" eaLnBrk="1" latinLnBrk="0" hangingPunct="1">
+              <a:defRPr sz="1800" kern="1200">
+                <a:solidFill>
+                  <a:schemeClr val="lt1"/>
+                </a:solidFill>
+                <a:latin typeface="+mn-lt"/>
+                <a:ea typeface="+mn-ea"/>
+                <a:cs typeface="+mn-cs"/>
+              </a:defRPr>
+            </a:lvl4pPr>
+            <a:lvl5pPr marL="1828800" algn="l" defTabSz="914400" rtl="0" eaLnBrk="1" latinLnBrk="0" hangingPunct="1">
+              <a:defRPr sz="1800" kern="1200">
+                <a:solidFill>
+                  <a:schemeClr val="lt1"/>
+                </a:solidFill>
+                <a:latin typeface="+mn-lt"/>
+                <a:ea typeface="+mn-ea"/>
+                <a:cs typeface="+mn-cs"/>
+              </a:defRPr>
+            </a:lvl5pPr>
+            <a:lvl6pPr marL="2286000" algn="l" defTabSz="914400" rtl="0" eaLnBrk="1" latinLnBrk="0" hangingPunct="1">
+              <a:defRPr sz="1800" kern="1200">
+                <a:solidFill>
+                  <a:schemeClr val="lt1"/>
+                </a:solidFill>
+                <a:latin typeface="+mn-lt"/>
+                <a:ea typeface="+mn-ea"/>
+                <a:cs typeface="+mn-cs"/>
+              </a:defRPr>
+            </a:lvl6pPr>
+            <a:lvl7pPr marL="2743200" algn="l" defTabSz="914400" rtl="0" eaLnBrk="1" latinLnBrk="0" hangingPunct="1">
+              <a:defRPr sz="1800" kern="1200">
+                <a:solidFill>
+                  <a:schemeClr val="lt1"/>
+                </a:solidFill>
+                <a:latin typeface="+mn-lt"/>
+                <a:ea typeface="+mn-ea"/>
+                <a:cs typeface="+mn-cs"/>
+              </a:defRPr>
+            </a:lvl7pPr>
+            <a:lvl8pPr marL="3200400" algn="l" defTabSz="914400" rtl="0" eaLnBrk="1" latinLnBrk="0" hangingPunct="1">
+              <a:defRPr sz="1800" kern="1200">
+                <a:solidFill>
+                  <a:schemeClr val="lt1"/>
+                </a:solidFill>
+                <a:latin typeface="+mn-lt"/>
+                <a:ea typeface="+mn-ea"/>
+                <a:cs typeface="+mn-cs"/>
+              </a:defRPr>
+            </a:lvl8pPr>
+            <a:lvl9pPr marL="3657600" algn="l" defTabSz="914400" rtl="0" eaLnBrk="1" latinLnBrk="0" hangingPunct="1">
+              <a:defRPr sz="1800" kern="1200">
+                <a:solidFill>
+                  <a:schemeClr val="lt1"/>
+                </a:solidFill>
+                <a:latin typeface="+mn-lt"/>
+                <a:ea typeface="+mn-ea"/>
+                <a:cs typeface="+mn-cs"/>
+              </a:defRPr>
+            </a:lvl9pPr>
+          </a:lstStyle>
+          <a:p>
+            <a:pPr algn="ctr"/>
+            <a:endParaRPr lang="de-DE" sz="1100" dirty="0"/>
+          </a:p>
+        </p:txBody>
+      </p:sp>
+      <p:cxnSp>
+        <p:nvCxnSpPr>
+          <p:cNvPr id="44" name="Gerader Verbinder 43">
+            <a:extLst>
+              <a:ext uri="{FF2B5EF4-FFF2-40B4-BE49-F238E27FC236}">
+                <a16:creationId xmlns:a16="http://schemas.microsoft.com/office/drawing/2014/main" id="{FB3736F7-0DFE-4BF8-BD82-46FABA777F58}"/>
+              </a:ext>
+            </a:extLst>
+          </p:cNvPr>
+          <p:cNvCxnSpPr>
+            <a:stCxn id="8" idx="2"/>
+            <a:endCxn id="34" idx="0"/>
+          </p:cNvCxnSpPr>
+          <p:nvPr/>
+        </p:nvCxnSpPr>
+        <p:spPr>
+          <a:xfrm flipH="1">
+            <a:off x="7509405" y="1518767"/>
+            <a:ext cx="441559" cy="468085"/>
+          </a:xfrm>
+          <a:prstGeom prst="line">
+            <a:avLst/>
+          </a:prstGeom>
+        </p:spPr>
+        <p:style>
+          <a:lnRef idx="2">
+            <a:schemeClr val="accent1">
+              <a:shade val="50000"/>
+            </a:schemeClr>
+          </a:lnRef>
+          <a:fillRef idx="1">
+            <a:schemeClr val="accent1"/>
+          </a:fillRef>
+          <a:effectRef idx="0">
+            <a:schemeClr val="accent1"/>
+          </a:effectRef>
+          <a:fontRef idx="minor">
+            <a:schemeClr val="lt1"/>
+          </a:fontRef>
+        </p:style>
+      </p:cxnSp>
+      <p:cxnSp>
+        <p:nvCxnSpPr>
+          <p:cNvPr id="46" name="Gerader Verbinder 45">
+            <a:extLst>
+              <a:ext uri="{FF2B5EF4-FFF2-40B4-BE49-F238E27FC236}">
+                <a16:creationId xmlns:a16="http://schemas.microsoft.com/office/drawing/2014/main" id="{224BB4CE-82F4-42CF-83E1-D5414AA064D8}"/>
+              </a:ext>
+            </a:extLst>
+          </p:cNvPr>
+          <p:cNvCxnSpPr>
+            <a:stCxn id="8" idx="2"/>
+            <a:endCxn id="36" idx="0"/>
+          </p:cNvCxnSpPr>
+          <p:nvPr/>
+        </p:nvCxnSpPr>
+        <p:spPr>
+          <a:xfrm>
+            <a:off x="7950964" y="1518767"/>
+            <a:ext cx="1563348" cy="468085"/>
+          </a:xfrm>
+          <a:prstGeom prst="line">
+            <a:avLst/>
+          </a:prstGeom>
+        </p:spPr>
+        <p:style>
+          <a:lnRef idx="2">
+            <a:schemeClr val="accent1">
+              <a:shade val="50000"/>
+            </a:schemeClr>
+          </a:lnRef>
+          <a:fillRef idx="1">
+            <a:schemeClr val="accent1"/>
+          </a:fillRef>
+          <a:effectRef idx="0">
+            <a:schemeClr val="accent1"/>
+          </a:effectRef>
+          <a:fontRef idx="minor">
+            <a:schemeClr val="lt1"/>
+          </a:fontRef>
+        </p:style>
+      </p:cxnSp>
+      <p:cxnSp>
+        <p:nvCxnSpPr>
+          <p:cNvPr id="48" name="Gerader Verbinder 47">
+            <a:extLst>
+              <a:ext uri="{FF2B5EF4-FFF2-40B4-BE49-F238E27FC236}">
+                <a16:creationId xmlns:a16="http://schemas.microsoft.com/office/drawing/2014/main" id="{E4060F38-50B7-4728-BEBB-4059A0AC9EF2}"/>
+              </a:ext>
+            </a:extLst>
+          </p:cNvPr>
+          <p:cNvCxnSpPr>
+            <a:stCxn id="8" idx="2"/>
+            <a:endCxn id="38" idx="0"/>
+          </p:cNvCxnSpPr>
+          <p:nvPr/>
+        </p:nvCxnSpPr>
+        <p:spPr>
+          <a:xfrm>
+            <a:off x="7950964" y="1518767"/>
+            <a:ext cx="753497" cy="850835"/>
+          </a:xfrm>
+          <a:prstGeom prst="line">
+            <a:avLst/>
+          </a:prstGeom>
+        </p:spPr>
+        <p:style>
+          <a:lnRef idx="2">
+            <a:schemeClr val="accent1">
+              <a:shade val="50000"/>
+            </a:schemeClr>
+          </a:lnRef>
+          <a:fillRef idx="1">
+            <a:schemeClr val="accent1"/>
+          </a:fillRef>
+          <a:effectRef idx="0">
+            <a:schemeClr val="accent1"/>
+          </a:effectRef>
+          <a:fontRef idx="minor">
+            <a:schemeClr val="lt1"/>
+          </a:fontRef>
+        </p:style>
+      </p:cxnSp>
+      <p:cxnSp>
+        <p:nvCxnSpPr>
+          <p:cNvPr id="50" name="Gerader Verbinder 49">
+            <a:extLst>
+              <a:ext uri="{FF2B5EF4-FFF2-40B4-BE49-F238E27FC236}">
+                <a16:creationId xmlns:a16="http://schemas.microsoft.com/office/drawing/2014/main" id="{0133D8AC-E880-4B9D-85F0-8539C8820E1D}"/>
+              </a:ext>
+            </a:extLst>
+          </p:cNvPr>
+          <p:cNvCxnSpPr>
+            <a:stCxn id="34" idx="2"/>
+            <a:endCxn id="39" idx="0"/>
+          </p:cNvCxnSpPr>
+          <p:nvPr/>
+        </p:nvCxnSpPr>
+        <p:spPr>
+          <a:xfrm>
+            <a:off x="7509405" y="2202852"/>
+            <a:ext cx="313373" cy="542292"/>
+          </a:xfrm>
+          <a:prstGeom prst="line">
+            <a:avLst/>
+          </a:prstGeom>
+        </p:spPr>
+        <p:style>
+          <a:lnRef idx="2">
+            <a:schemeClr val="accent1">
+              <a:shade val="50000"/>
+            </a:schemeClr>
+          </a:lnRef>
+          <a:fillRef idx="1">
+            <a:schemeClr val="accent1"/>
+          </a:fillRef>
+          <a:effectRef idx="0">
+            <a:schemeClr val="accent1"/>
+          </a:effectRef>
+          <a:fontRef idx="minor">
+            <a:schemeClr val="lt1"/>
+          </a:fontRef>
+        </p:style>
+      </p:cxnSp>
+      <p:cxnSp>
+        <p:nvCxnSpPr>
+          <p:cNvPr id="52" name="Gerader Verbinder 51">
+            <a:extLst>
+              <a:ext uri="{FF2B5EF4-FFF2-40B4-BE49-F238E27FC236}">
+                <a16:creationId xmlns:a16="http://schemas.microsoft.com/office/drawing/2014/main" id="{6D4767D9-8F4A-4EEB-BAFA-2C718D434DE7}"/>
+              </a:ext>
+            </a:extLst>
+          </p:cNvPr>
+          <p:cNvCxnSpPr>
+            <a:cxnSpLocks/>
+            <a:stCxn id="36" idx="2"/>
+            <a:endCxn id="40" idx="0"/>
+          </p:cNvCxnSpPr>
+          <p:nvPr/>
+        </p:nvCxnSpPr>
+        <p:spPr>
+          <a:xfrm>
+            <a:off x="9514312" y="2202852"/>
+            <a:ext cx="715724" cy="581997"/>
+          </a:xfrm>
+          <a:prstGeom prst="line">
+            <a:avLst/>
+          </a:prstGeom>
+        </p:spPr>
+        <p:style>
+          <a:lnRef idx="2">
+            <a:schemeClr val="accent1">
+              <a:shade val="50000"/>
+            </a:schemeClr>
+          </a:lnRef>
+          <a:fillRef idx="1">
+            <a:schemeClr val="accent1"/>
+          </a:fillRef>
+          <a:effectRef idx="0">
+            <a:schemeClr val="accent1"/>
+          </a:effectRef>
+          <a:fontRef idx="minor">
+            <a:schemeClr val="lt1"/>
+          </a:fontRef>
+        </p:style>
+      </p:cxnSp>
+      <p:cxnSp>
+        <p:nvCxnSpPr>
+          <p:cNvPr id="54" name="Gerader Verbinder 53">
+            <a:extLst>
+              <a:ext uri="{FF2B5EF4-FFF2-40B4-BE49-F238E27FC236}">
+                <a16:creationId xmlns:a16="http://schemas.microsoft.com/office/drawing/2014/main" id="{E5EE073C-9EA4-493B-879C-9A79E84AB3AB}"/>
+              </a:ext>
+            </a:extLst>
+          </p:cNvPr>
+          <p:cNvCxnSpPr>
+            <a:stCxn id="39" idx="2"/>
+            <a:endCxn id="27" idx="0"/>
+          </p:cNvCxnSpPr>
+          <p:nvPr/>
+        </p:nvCxnSpPr>
+        <p:spPr>
+          <a:xfrm flipH="1">
+            <a:off x="6051522" y="2961144"/>
+            <a:ext cx="1771256" cy="509539"/>
+          </a:xfrm>
+          <a:prstGeom prst="line">
+            <a:avLst/>
+          </a:prstGeom>
+        </p:spPr>
+        <p:style>
+          <a:lnRef idx="2">
+            <a:schemeClr val="accent1">
+              <a:shade val="50000"/>
+            </a:schemeClr>
+          </a:lnRef>
+          <a:fillRef idx="1">
+            <a:schemeClr val="accent1"/>
+          </a:fillRef>
+          <a:effectRef idx="0">
+            <a:schemeClr val="accent1"/>
+          </a:effectRef>
+          <a:fontRef idx="minor">
+            <a:schemeClr val="lt1"/>
+          </a:fontRef>
+        </p:style>
+      </p:cxnSp>
+      <p:cxnSp>
+        <p:nvCxnSpPr>
+          <p:cNvPr id="56" name="Gerader Verbinder 55">
+            <a:extLst>
+              <a:ext uri="{FF2B5EF4-FFF2-40B4-BE49-F238E27FC236}">
+                <a16:creationId xmlns:a16="http://schemas.microsoft.com/office/drawing/2014/main" id="{2200DC3B-4741-4C72-8857-FCE9C4A3D97A}"/>
+              </a:ext>
+            </a:extLst>
+          </p:cNvPr>
+          <p:cNvCxnSpPr>
+            <a:cxnSpLocks/>
+            <a:stCxn id="40" idx="2"/>
+            <a:endCxn id="27" idx="0"/>
+          </p:cNvCxnSpPr>
+          <p:nvPr/>
+        </p:nvCxnSpPr>
+        <p:spPr>
+          <a:xfrm flipH="1">
+            <a:off x="6051522" y="3000849"/>
+            <a:ext cx="4178514" cy="469834"/>
+          </a:xfrm>
+          <a:prstGeom prst="line">
+            <a:avLst/>
+          </a:prstGeom>
+        </p:spPr>
+        <p:style>
+          <a:lnRef idx="2">
+            <a:schemeClr val="accent1">
+              <a:shade val="50000"/>
+            </a:schemeClr>
+          </a:lnRef>
+          <a:fillRef idx="1">
+            <a:schemeClr val="accent1"/>
+          </a:fillRef>
+          <a:effectRef idx="0">
+            <a:schemeClr val="accent1"/>
+          </a:effectRef>
+          <a:fontRef idx="minor">
+            <a:schemeClr val="lt1"/>
           </a:fontRef>
         </p:style>
       </p:cxnSp>
